--- a/fuentes/contenidos/grado07/guion02/MapaConceptual.pptx
+++ b/fuentes/contenidos/grado07/guion02/MapaConceptual.pptx
@@ -243,7 +243,7 @@
           <a:p>
             <a:fld id="{C764DE79-268F-4C1A-8933-263129D2AF90}" type="datetimeFigureOut">
               <a:rPr lang="en-US" dirty="0"/>
-              <a:t>8/19/2015</a:t>
+              <a:t>8/21/2015</a:t>
             </a:fld>
             <a:endParaRPr lang="en-US" dirty="0"/>
           </a:p>
@@ -413,7 +413,7 @@
           <a:p>
             <a:fld id="{C764DE79-268F-4C1A-8933-263129D2AF90}" type="datetimeFigureOut">
               <a:rPr lang="en-US" dirty="0"/>
-              <a:t>8/19/2015</a:t>
+              <a:t>8/21/2015</a:t>
             </a:fld>
             <a:endParaRPr lang="en-US" dirty="0"/>
           </a:p>
@@ -593,7 +593,7 @@
           <a:p>
             <a:fld id="{C764DE79-268F-4C1A-8933-263129D2AF90}" type="datetimeFigureOut">
               <a:rPr lang="en-US" dirty="0"/>
-              <a:t>8/19/2015</a:t>
+              <a:t>8/21/2015</a:t>
             </a:fld>
             <a:endParaRPr lang="en-US" dirty="0"/>
           </a:p>
@@ -1059,7 +1059,7 @@
           <a:p>
             <a:fld id="{C764DE79-268F-4C1A-8933-263129D2AF90}" type="datetimeFigureOut">
               <a:rPr lang="en-US" dirty="0"/>
-              <a:t>8/19/2015</a:t>
+              <a:t>8/21/2015</a:t>
             </a:fld>
             <a:endParaRPr lang="en-US" dirty="0"/>
           </a:p>
@@ -1377,7 +1377,7 @@
           <a:p>
             <a:fld id="{C764DE79-268F-4C1A-8933-263129D2AF90}" type="datetimeFigureOut">
               <a:rPr lang="en-US" dirty="0"/>
-              <a:t>8/19/2015</a:t>
+              <a:t>8/21/2015</a:t>
             </a:fld>
             <a:endParaRPr lang="en-US" dirty="0"/>
           </a:p>
@@ -1609,7 +1609,7 @@
           <a:p>
             <a:fld id="{C764DE79-268F-4C1A-8933-263129D2AF90}" type="datetimeFigureOut">
               <a:rPr lang="en-US" dirty="0"/>
-              <a:t>8/19/2015</a:t>
+              <a:t>8/21/2015</a:t>
             </a:fld>
             <a:endParaRPr lang="en-US" dirty="0"/>
           </a:p>
@@ -1976,7 +1976,7 @@
           <a:p>
             <a:fld id="{C764DE79-268F-4C1A-8933-263129D2AF90}" type="datetimeFigureOut">
               <a:rPr lang="en-US" dirty="0"/>
-              <a:t>8/19/2015</a:t>
+              <a:t>8/21/2015</a:t>
             </a:fld>
             <a:endParaRPr lang="en-US" dirty="0"/>
           </a:p>
@@ -2094,7 +2094,7 @@
           <a:p>
             <a:fld id="{C764DE79-268F-4C1A-8933-263129D2AF90}" type="datetimeFigureOut">
               <a:rPr lang="en-US" dirty="0"/>
-              <a:t>8/19/2015</a:t>
+              <a:t>8/21/2015</a:t>
             </a:fld>
             <a:endParaRPr lang="en-US" dirty="0"/>
           </a:p>
@@ -2189,7 +2189,7 @@
           <a:p>
             <a:fld id="{5001C876-01F7-4317-94B9-1AE222133113}" type="datetimeFigureOut">
               <a:rPr lang="es-ES" smtClean="0"/>
-              <a:t>19/08/2015</a:t>
+              <a:t>21/08/2015</a:t>
             </a:fld>
             <a:endParaRPr lang="es-ES"/>
           </a:p>
@@ -2466,7 +2466,7 @@
           <a:p>
             <a:fld id="{C764DE79-268F-4C1A-8933-263129D2AF90}" type="datetimeFigureOut">
               <a:rPr lang="en-US" dirty="0"/>
-              <a:t>8/19/2015</a:t>
+              <a:t>8/21/2015</a:t>
             </a:fld>
             <a:endParaRPr lang="en-US" dirty="0"/>
           </a:p>
@@ -2723,7 +2723,7 @@
           <a:p>
             <a:fld id="{C764DE79-268F-4C1A-8933-263129D2AF90}" type="datetimeFigureOut">
               <a:rPr lang="en-US" dirty="0"/>
-              <a:t>8/19/2015</a:t>
+              <a:t>8/21/2015</a:t>
             </a:fld>
             <a:endParaRPr lang="en-US" dirty="0"/>
           </a:p>
@@ -2936,7 +2936,7 @@
           <a:p>
             <a:fld id="{C764DE79-268F-4C1A-8933-263129D2AF90}" type="datetimeFigureOut">
               <a:rPr lang="en-US" dirty="0"/>
-              <a:t>8/19/2015</a:t>
+              <a:t>8/21/2015</a:t>
             </a:fld>
             <a:endParaRPr lang="en-US" dirty="0"/>
           </a:p>
@@ -3468,7 +3468,7 @@
         </p:nvSpPr>
         <p:spPr>
           <a:xfrm>
-            <a:off x="1162058" y="1053994"/>
+            <a:off x="1017036" y="1054274"/>
             <a:ext cx="1124746" cy="439782"/>
           </a:xfrm>
           <a:prstGeom prst="rect">
@@ -3598,11 +3598,7 @@
             <a:pPr algn="ctr"/>
             <a:r>
               <a:rPr lang="es-ES" sz="900" dirty="0" smtClean="0"/>
-              <a:t>la</a:t>
-            </a:r>
-            <a:r>
-              <a:rPr lang="es-ES" sz="900" dirty="0" smtClean="0"/>
-              <a:t>s básicas son</a:t>
+              <a:t>las básicas son</a:t>
             </a:r>
             <a:endParaRPr lang="es-ES" sz="900" dirty="0"/>
           </a:p>
@@ -3968,11 +3964,6 @@
               </a:rPr>
               <a:t>asociativa</a:t>
             </a:r>
-            <a:endParaRPr lang="es-ES" sz="800" dirty="0" smtClean="0">
-              <a:solidFill>
-                <a:schemeClr val="tx1"/>
-              </a:solidFill>
-            </a:endParaRPr>
           </a:p>
           <a:p>
             <a:pPr marL="171450" indent="-171450">
@@ -4004,15 +3995,7 @@
                   <a:schemeClr val="tx1"/>
                 </a:solidFill>
               </a:rPr>
-              <a:t>opuesto </a:t>
-            </a:r>
-            <a:r>
-              <a:rPr lang="es-ES" sz="800" dirty="0" smtClean="0">
-                <a:solidFill>
-                  <a:schemeClr val="tx1"/>
-                </a:solidFill>
-              </a:rPr>
-              <a:t>aditivo</a:t>
+              <a:t>opuesto aditivo</a:t>
             </a:r>
             <a:endParaRPr lang="es-ES" sz="800" dirty="0">
               <a:solidFill>
@@ -4612,15 +4595,7 @@
                   <a:schemeClr val="tx1"/>
                 </a:solidFill>
               </a:rPr>
-              <a:t>se </a:t>
-            </a:r>
-            <a:r>
-              <a:rPr lang="es-ES" sz="800" dirty="0" smtClean="0">
-                <a:solidFill>
-                  <a:schemeClr val="tx1"/>
-                </a:solidFill>
-              </a:rPr>
-              <a:t>adicionan </a:t>
+              <a:t>se adicionan </a:t>
             </a:r>
             <a:r>
               <a:rPr lang="es-ES" sz="800" dirty="0">
@@ -4823,23 +4798,7 @@
                   <a:schemeClr val="tx1"/>
                 </a:solidFill>
               </a:rPr>
-              <a:t>al </a:t>
-            </a:r>
-            <a:r>
-              <a:rPr lang="es-ES" sz="800" dirty="0" smtClean="0">
-                <a:solidFill>
-                  <a:schemeClr val="tx1"/>
-                </a:solidFill>
-              </a:rPr>
-              <a:t>sustraer dos enteros </a:t>
-            </a:r>
-            <a:r>
-              <a:rPr lang="es-ES" sz="800" dirty="0" smtClean="0">
-                <a:solidFill>
-                  <a:schemeClr val="tx1"/>
-                </a:solidFill>
-              </a:rPr>
-              <a:t>se obtiene un entero</a:t>
+              <a:t>al sustraer dos enteros se obtiene un entero</a:t>
             </a:r>
             <a:endParaRPr lang="es-ES" sz="800" dirty="0">
               <a:solidFill>
@@ -4905,11 +4864,7 @@
             <a:pPr algn="ctr"/>
             <a:r>
               <a:rPr lang="es-ES" sz="800" dirty="0" smtClean="0"/>
-              <a:t>satisface </a:t>
-            </a:r>
-            <a:r>
-              <a:rPr lang="es-ES" sz="800" dirty="0" smtClean="0"/>
-              <a:t>únicamente la</a:t>
+              <a:t>satisface únicamente la</a:t>
             </a:r>
             <a:endParaRPr lang="es-ES" sz="800" dirty="0"/>
           </a:p>
@@ -5104,18 +5059,14 @@
             <a:pPr algn="ctr"/>
             <a:r>
               <a:rPr lang="es-ES" sz="800" dirty="0" smtClean="0"/>
-              <a:t>se </a:t>
-            </a:r>
-            <a:r>
-              <a:rPr lang="es-ES" sz="800" dirty="0" smtClean="0"/>
-              <a:t>escribe</a:t>
+              <a:t>se escribe</a:t>
             </a:r>
             <a:endParaRPr lang="es-ES" sz="800" dirty="0"/>
           </a:p>
         </p:txBody>
       </p:sp>
-      <mc:AlternateContent xmlns:mc="http://schemas.openxmlformats.org/markup-compatibility/2006">
-        <mc:Choice xmlns:a14="http://schemas.microsoft.com/office/drawing/2010/main" Requires="a14">
+      <mc:AlternateContent xmlns:mc="http://schemas.openxmlformats.org/markup-compatibility/2006" xmlns:a14="http://schemas.microsoft.com/office/drawing/2010/main">
+        <mc:Choice Requires="a14">
           <p:sp>
             <p:nvSpPr>
               <p:cNvPr id="242" name="Rectángulo 241" descr="Nodo de segundo nivel" title="Nodo02"/>
@@ -5243,7 +5194,7 @@
             </p:txBody>
           </p:sp>
         </mc:Choice>
-        <mc:Fallback>
+        <mc:Fallback xmlns="">
           <p:sp>
             <p:nvSpPr>
               <p:cNvPr id="242" name="Rectángulo 241" descr="Nodo de segundo nivel" title="Nodo02"/>
@@ -5333,15 +5284,7 @@
             <a:pPr lvl="0" algn="ctr"/>
             <a:r>
               <a:rPr lang="es-CO" sz="800" dirty="0" smtClean="0"/>
-              <a:t>cociente exact</a:t>
-            </a:r>
-            <a:r>
-              <a:rPr lang="es-CO" sz="800" dirty="0" smtClean="0"/>
-              <a:t>o </a:t>
-            </a:r>
-            <a:r>
-              <a:rPr lang="es-CO" sz="800" dirty="0" smtClean="0"/>
-              <a:t>de </a:t>
+              <a:t>cociente exacto de </a:t>
             </a:r>
             <a:r>
               <a:rPr lang="es-CO" sz="800" dirty="0"/>
@@ -5349,11 +5292,7 @@
             </a:r>
             <a:r>
               <a:rPr lang="es-CO" sz="800" dirty="0" smtClean="0"/>
-              <a:t>absolutos de los </a:t>
-            </a:r>
-            <a:r>
-              <a:rPr lang="es-CO" sz="800" dirty="0" smtClean="0"/>
-              <a:t>números</a:t>
+              <a:t>absolutos de los números</a:t>
             </a:r>
             <a:endParaRPr lang="es-CO" sz="800" dirty="0"/>
           </a:p>
@@ -5419,11 +5358,7 @@
             <a:pPr algn="ctr"/>
             <a:r>
               <a:rPr lang="es-ES" sz="800" dirty="0" smtClean="0"/>
-              <a:t>corresponde </a:t>
-            </a:r>
-            <a:r>
-              <a:rPr lang="es-ES" sz="800" dirty="0" smtClean="0"/>
-              <a:t>al</a:t>
+              <a:t>corresponde al</a:t>
             </a:r>
             <a:endParaRPr lang="es-ES" sz="800" dirty="0"/>
           </a:p>

--- a/fuentes/contenidos/grado07/guion02/MapaConceptual.pptx
+++ b/fuentes/contenidos/grado07/guion02/MapaConceptual.pptx
@@ -243,7 +243,7 @@
           <a:p>
             <a:fld id="{C764DE79-268F-4C1A-8933-263129D2AF90}" type="datetimeFigureOut">
               <a:rPr lang="en-US" dirty="0"/>
-              <a:t>8/21/2015</a:t>
+              <a:t>10/23/2015</a:t>
             </a:fld>
             <a:endParaRPr lang="en-US" dirty="0"/>
           </a:p>
@@ -413,7 +413,7 @@
           <a:p>
             <a:fld id="{C764DE79-268F-4C1A-8933-263129D2AF90}" type="datetimeFigureOut">
               <a:rPr lang="en-US" dirty="0"/>
-              <a:t>8/21/2015</a:t>
+              <a:t>10/23/2015</a:t>
             </a:fld>
             <a:endParaRPr lang="en-US" dirty="0"/>
           </a:p>
@@ -593,7 +593,7 @@
           <a:p>
             <a:fld id="{C764DE79-268F-4C1A-8933-263129D2AF90}" type="datetimeFigureOut">
               <a:rPr lang="en-US" dirty="0"/>
-              <a:t>8/21/2015</a:t>
+              <a:t>10/23/2015</a:t>
             </a:fld>
             <a:endParaRPr lang="en-US" dirty="0"/>
           </a:p>
@@ -1059,7 +1059,7 @@
           <a:p>
             <a:fld id="{C764DE79-268F-4C1A-8933-263129D2AF90}" type="datetimeFigureOut">
               <a:rPr lang="en-US" dirty="0"/>
-              <a:t>8/21/2015</a:t>
+              <a:t>10/23/2015</a:t>
             </a:fld>
             <a:endParaRPr lang="en-US" dirty="0"/>
           </a:p>
@@ -1377,7 +1377,7 @@
           <a:p>
             <a:fld id="{C764DE79-268F-4C1A-8933-263129D2AF90}" type="datetimeFigureOut">
               <a:rPr lang="en-US" dirty="0"/>
-              <a:t>8/21/2015</a:t>
+              <a:t>10/23/2015</a:t>
             </a:fld>
             <a:endParaRPr lang="en-US" dirty="0"/>
           </a:p>
@@ -1609,7 +1609,7 @@
           <a:p>
             <a:fld id="{C764DE79-268F-4C1A-8933-263129D2AF90}" type="datetimeFigureOut">
               <a:rPr lang="en-US" dirty="0"/>
-              <a:t>8/21/2015</a:t>
+              <a:t>10/23/2015</a:t>
             </a:fld>
             <a:endParaRPr lang="en-US" dirty="0"/>
           </a:p>
@@ -1976,7 +1976,7 @@
           <a:p>
             <a:fld id="{C764DE79-268F-4C1A-8933-263129D2AF90}" type="datetimeFigureOut">
               <a:rPr lang="en-US" dirty="0"/>
-              <a:t>8/21/2015</a:t>
+              <a:t>10/23/2015</a:t>
             </a:fld>
             <a:endParaRPr lang="en-US" dirty="0"/>
           </a:p>
@@ -2094,7 +2094,7 @@
           <a:p>
             <a:fld id="{C764DE79-268F-4C1A-8933-263129D2AF90}" type="datetimeFigureOut">
               <a:rPr lang="en-US" dirty="0"/>
-              <a:t>8/21/2015</a:t>
+              <a:t>10/23/2015</a:t>
             </a:fld>
             <a:endParaRPr lang="en-US" dirty="0"/>
           </a:p>
@@ -2189,7 +2189,7 @@
           <a:p>
             <a:fld id="{5001C876-01F7-4317-94B9-1AE222133113}" type="datetimeFigureOut">
               <a:rPr lang="es-ES" smtClean="0"/>
-              <a:t>21/08/2015</a:t>
+              <a:t>23/10/2015</a:t>
             </a:fld>
             <a:endParaRPr lang="es-ES"/>
           </a:p>
@@ -2466,7 +2466,7 @@
           <a:p>
             <a:fld id="{C764DE79-268F-4C1A-8933-263129D2AF90}" type="datetimeFigureOut">
               <a:rPr lang="en-US" dirty="0"/>
-              <a:t>8/21/2015</a:t>
+              <a:t>10/23/2015</a:t>
             </a:fld>
             <a:endParaRPr lang="en-US" dirty="0"/>
           </a:p>
@@ -2723,7 +2723,7 @@
           <a:p>
             <a:fld id="{C764DE79-268F-4C1A-8933-263129D2AF90}" type="datetimeFigureOut">
               <a:rPr lang="en-US" dirty="0"/>
-              <a:t>8/21/2015</a:t>
+              <a:t>10/23/2015</a:t>
             </a:fld>
             <a:endParaRPr lang="en-US" dirty="0"/>
           </a:p>
@@ -2936,7 +2936,7 @@
           <a:p>
             <a:fld id="{C764DE79-268F-4C1A-8933-263129D2AF90}" type="datetimeFigureOut">
               <a:rPr lang="en-US" dirty="0"/>
-              <a:t>8/21/2015</a:t>
+              <a:t>10/23/2015</a:t>
             </a:fld>
             <a:endParaRPr lang="en-US" dirty="0"/>
           </a:p>
@@ -7057,7 +7057,7 @@
             <a:pPr algn="ctr"/>
             <a:r>
               <a:rPr lang="es-ES" sz="800" dirty="0" smtClean="0"/>
-              <a:t>cumple</a:t>
+              <a:t>no cumple</a:t>
             </a:r>
             <a:endParaRPr lang="es-ES" sz="800" dirty="0"/>
           </a:p>

--- a/fuentes/contenidos/grado07/guion02/MapaConceptual.pptx
+++ b/fuentes/contenidos/grado07/guion02/MapaConceptual.pptx
@@ -243,7 +243,7 @@
           <a:p>
             <a:fld id="{C764DE79-268F-4C1A-8933-263129D2AF90}" type="datetimeFigureOut">
               <a:rPr lang="en-US" dirty="0"/>
-              <a:t>10/23/2015</a:t>
+              <a:t>11/18/2015</a:t>
             </a:fld>
             <a:endParaRPr lang="en-US" dirty="0"/>
           </a:p>
@@ -413,7 +413,7 @@
           <a:p>
             <a:fld id="{C764DE79-268F-4C1A-8933-263129D2AF90}" type="datetimeFigureOut">
               <a:rPr lang="en-US" dirty="0"/>
-              <a:t>10/23/2015</a:t>
+              <a:t>11/18/2015</a:t>
             </a:fld>
             <a:endParaRPr lang="en-US" dirty="0"/>
           </a:p>
@@ -593,7 +593,7 @@
           <a:p>
             <a:fld id="{C764DE79-268F-4C1A-8933-263129D2AF90}" type="datetimeFigureOut">
               <a:rPr lang="en-US" dirty="0"/>
-              <a:t>10/23/2015</a:t>
+              <a:t>11/18/2015</a:t>
             </a:fld>
             <a:endParaRPr lang="en-US" dirty="0"/>
           </a:p>
@@ -1059,7 +1059,7 @@
           <a:p>
             <a:fld id="{C764DE79-268F-4C1A-8933-263129D2AF90}" type="datetimeFigureOut">
               <a:rPr lang="en-US" dirty="0"/>
-              <a:t>10/23/2015</a:t>
+              <a:t>11/18/2015</a:t>
             </a:fld>
             <a:endParaRPr lang="en-US" dirty="0"/>
           </a:p>
@@ -1377,7 +1377,7 @@
           <a:p>
             <a:fld id="{C764DE79-268F-4C1A-8933-263129D2AF90}" type="datetimeFigureOut">
               <a:rPr lang="en-US" dirty="0"/>
-              <a:t>10/23/2015</a:t>
+              <a:t>11/18/2015</a:t>
             </a:fld>
             <a:endParaRPr lang="en-US" dirty="0"/>
           </a:p>
@@ -1609,7 +1609,7 @@
           <a:p>
             <a:fld id="{C764DE79-268F-4C1A-8933-263129D2AF90}" type="datetimeFigureOut">
               <a:rPr lang="en-US" dirty="0"/>
-              <a:t>10/23/2015</a:t>
+              <a:t>11/18/2015</a:t>
             </a:fld>
             <a:endParaRPr lang="en-US" dirty="0"/>
           </a:p>
@@ -1976,7 +1976,7 @@
           <a:p>
             <a:fld id="{C764DE79-268F-4C1A-8933-263129D2AF90}" type="datetimeFigureOut">
               <a:rPr lang="en-US" dirty="0"/>
-              <a:t>10/23/2015</a:t>
+              <a:t>11/18/2015</a:t>
             </a:fld>
             <a:endParaRPr lang="en-US" dirty="0"/>
           </a:p>
@@ -2094,7 +2094,7 @@
           <a:p>
             <a:fld id="{C764DE79-268F-4C1A-8933-263129D2AF90}" type="datetimeFigureOut">
               <a:rPr lang="en-US" dirty="0"/>
-              <a:t>10/23/2015</a:t>
+              <a:t>11/18/2015</a:t>
             </a:fld>
             <a:endParaRPr lang="en-US" dirty="0"/>
           </a:p>
@@ -2189,7 +2189,7 @@
           <a:p>
             <a:fld id="{5001C876-01F7-4317-94B9-1AE222133113}" type="datetimeFigureOut">
               <a:rPr lang="es-ES" smtClean="0"/>
-              <a:t>23/10/2015</a:t>
+              <a:t>18/11/2015</a:t>
             </a:fld>
             <a:endParaRPr lang="es-ES"/>
           </a:p>
@@ -2466,7 +2466,7 @@
           <a:p>
             <a:fld id="{C764DE79-268F-4C1A-8933-263129D2AF90}" type="datetimeFigureOut">
               <a:rPr lang="en-US" dirty="0"/>
-              <a:t>10/23/2015</a:t>
+              <a:t>11/18/2015</a:t>
             </a:fld>
             <a:endParaRPr lang="en-US" dirty="0"/>
           </a:p>
@@ -2723,7 +2723,7 @@
           <a:p>
             <a:fld id="{C764DE79-268F-4C1A-8933-263129D2AF90}" type="datetimeFigureOut">
               <a:rPr lang="en-US" dirty="0"/>
-              <a:t>10/23/2015</a:t>
+              <a:t>11/18/2015</a:t>
             </a:fld>
             <a:endParaRPr lang="en-US" dirty="0"/>
           </a:p>
@@ -2936,7 +2936,7 @@
           <a:p>
             <a:fld id="{C764DE79-268F-4C1A-8933-263129D2AF90}" type="datetimeFigureOut">
               <a:rPr lang="en-US" dirty="0"/>
-              <a:t>10/23/2015</a:t>
+              <a:t>11/18/2015</a:t>
             </a:fld>
             <a:endParaRPr lang="en-US" dirty="0"/>
           </a:p>
@@ -4328,36 +4328,6 @@
       </p:cxnSp>
       <p:cxnSp>
         <p:nvCxnSpPr>
-          <p:cNvPr id="115" name="Conector recto 114"/>
-          <p:cNvCxnSpPr/>
-          <p:nvPr/>
-        </p:nvCxnSpPr>
-        <p:spPr>
-          <a:xfrm>
-            <a:off x="4220255" y="791356"/>
-            <a:ext cx="0" cy="108000"/>
-          </a:xfrm>
-          <a:prstGeom prst="line">
-            <a:avLst/>
-          </a:prstGeom>
-        </p:spPr>
-        <p:style>
-          <a:lnRef idx="1">
-            <a:schemeClr val="accent1"/>
-          </a:lnRef>
-          <a:fillRef idx="0">
-            <a:schemeClr val="accent1"/>
-          </a:fillRef>
-          <a:effectRef idx="0">
-            <a:schemeClr val="accent1"/>
-          </a:effectRef>
-          <a:fontRef idx="minor">
-            <a:schemeClr val="tx1"/>
-          </a:fontRef>
-        </p:style>
-      </p:cxnSp>
-      <p:cxnSp>
-        <p:nvCxnSpPr>
           <p:cNvPr id="116" name="Conector recto 115"/>
           <p:cNvCxnSpPr/>
           <p:nvPr/>
@@ -5501,12 +5471,20 @@
           <a:p>
             <a:pPr lvl="0" algn="ctr"/>
             <a:r>
+              <a:rPr lang="es-CO" sz="800" dirty="0" smtClean="0">
+                <a:solidFill>
+                  <a:schemeClr val="tx1"/>
+                </a:solidFill>
+              </a:rPr>
+              <a:t>primero </a:t>
+            </a:r>
+            <a:r>
               <a:rPr lang="es-CO" sz="800" dirty="0">
                 <a:solidFill>
                   <a:schemeClr val="tx1"/>
                 </a:solidFill>
               </a:rPr>
-              <a:t>Primero se efectúan las multiplicaciones y </a:t>
+              <a:t>se efectúan las multiplicaciones y </a:t>
             </a:r>
             <a:r>
               <a:rPr lang="es-CO" sz="800" dirty="0" smtClean="0">
@@ -5601,7 +5579,15 @@
                   <a:schemeClr val="tx1"/>
                 </a:solidFill>
               </a:rPr>
-              <a:t>Primero se resuelven los paréntesis, luego los corchetes, después las llaves, para entonces efectuar las multiplicaciones y divisiones, y finalmente las adiciones y sustracciones</a:t>
+              <a:t>primero </a:t>
+            </a:r>
+            <a:r>
+              <a:rPr lang="es-CO" sz="800" dirty="0" smtClean="0">
+                <a:solidFill>
+                  <a:schemeClr val="tx1"/>
+                </a:solidFill>
+              </a:rPr>
+              <a:t>se resuelven los paréntesis, luego los corchetes, después las llaves, para entonces efectuar las multiplicaciones y divisiones, y finalmente las adiciones y sustracciones</a:t>
             </a:r>
             <a:r>
               <a:rPr lang="es-CO" sz="1050" dirty="0" smtClean="0">
@@ -6725,7 +6711,15 @@
                   <a:schemeClr val="tx1"/>
                 </a:solidFill>
               </a:rPr>
-              <a:t>Propiedades como</a:t>
+              <a:t>propiedades </a:t>
+            </a:r>
+            <a:r>
+              <a:rPr lang="es-ES" sz="800" dirty="0" smtClean="0">
+                <a:solidFill>
+                  <a:schemeClr val="tx1"/>
+                </a:solidFill>
+              </a:rPr>
+              <a:t>como</a:t>
             </a:r>
           </a:p>
           <a:p>
@@ -7414,7 +7408,7 @@
         <p:spPr>
           <a:xfrm>
             <a:off x="8781300" y="4019552"/>
-            <a:ext cx="849110" cy="215444"/>
+            <a:ext cx="731972" cy="215444"/>
           </a:xfrm>
           <a:prstGeom prst="rect">
             <a:avLst/>
@@ -7544,8 +7538,8 @@
         </p:nvCxnSpPr>
         <p:spPr>
           <a:xfrm>
-            <a:off x="9138118" y="3312247"/>
-            <a:ext cx="0" cy="728956"/>
+            <a:off x="9113108" y="3422397"/>
+            <a:ext cx="565" cy="589954"/>
           </a:xfrm>
           <a:prstGeom prst="line">
             <a:avLst/>
@@ -7614,8 +7608,8 @@
         </p:nvCxnSpPr>
         <p:spPr>
           <a:xfrm>
-            <a:off x="9132236" y="4400449"/>
-            <a:ext cx="0" cy="728956"/>
+            <a:off x="9113108" y="4242983"/>
+            <a:ext cx="0" cy="916160"/>
           </a:xfrm>
           <a:prstGeom prst="line">
             <a:avLst/>

--- a/fuentes/contenidos/grado07/guion02/MapaConceptual.pptx
+++ b/fuentes/contenidos/grado07/guion02/MapaConceptual.pptx
@@ -2,8 +2,14 @@
 <file path=ppt/presentation.xml><?xml version="1.0" encoding="utf-8"?>
 <p:presentation xmlns:a="http://schemas.openxmlformats.org/drawingml/2006/main" xmlns:r="http://schemas.openxmlformats.org/officeDocument/2006/relationships" xmlns:p="http://schemas.openxmlformats.org/presentationml/2006/main" saveSubsetFonts="1">
   <p:sldMasterIdLst>
-    <p:sldMasterId id="2147483672" r:id="rId1"/>
+    <p:sldMasterId id="2147483684" r:id="rId1"/>
   </p:sldMasterIdLst>
+  <p:notesMasterIdLst>
+    <p:notesMasterId r:id="rId3"/>
+  </p:notesMasterIdLst>
+  <p:handoutMasterIdLst>
+    <p:handoutMasterId r:id="rId4"/>
+  </p:handoutMasterIdLst>
   <p:sldIdLst>
     <p:sldId id="256" r:id="rId2"/>
   </p:sldIdLst>
@@ -112,6 +118,521 @@
 </p:presentation>
 </file>
 
+<file path=ppt/handoutMasters/handoutMaster1.xml><?xml version="1.0" encoding="utf-8"?>
+<p:handoutMaster xmlns:a="http://schemas.openxmlformats.org/drawingml/2006/main" xmlns:r="http://schemas.openxmlformats.org/officeDocument/2006/relationships" xmlns:p="http://schemas.openxmlformats.org/presentationml/2006/main">
+  <p:cSld>
+    <p:bg>
+      <p:bgRef idx="1001">
+        <a:schemeClr val="bg1"/>
+      </p:bgRef>
+    </p:bg>
+    <p:spTree>
+      <p:nvGrpSpPr>
+        <p:cNvPr id="1" name=""/>
+        <p:cNvGrpSpPr/>
+        <p:nvPr/>
+      </p:nvGrpSpPr>
+      <p:grpSpPr>
+        <a:xfrm>
+          <a:off x="0" y="0"/>
+          <a:ext cx="0" cy="0"/>
+          <a:chOff x="0" y="0"/>
+          <a:chExt cx="0" cy="0"/>
+        </a:xfrm>
+      </p:grpSpPr>
+      <p:sp>
+        <p:nvSpPr>
+          <p:cNvPr id="2" name="Marcador de encabezado 1"/>
+          <p:cNvSpPr>
+            <a:spLocks noGrp="1"/>
+          </p:cNvSpPr>
+          <p:nvPr>
+            <p:ph type="hdr" sz="quarter"/>
+          </p:nvPr>
+        </p:nvSpPr>
+        <p:spPr>
+          <a:xfrm>
+            <a:off x="0" y="0"/>
+            <a:ext cx="2944813" cy="496888"/>
+          </a:xfrm>
+          <a:prstGeom prst="rect">
+            <a:avLst/>
+          </a:prstGeom>
+        </p:spPr>
+        <p:txBody>
+          <a:bodyPr vert="horz" lIns="91440" tIns="45720" rIns="91440" bIns="45720" rtlCol="0"/>
+          <a:lstStyle>
+            <a:lvl1pPr algn="l">
+              <a:defRPr sz="1200"/>
+            </a:lvl1pPr>
+          </a:lstStyle>
+          <a:p>
+            <a:endParaRPr lang="es-CO"/>
+          </a:p>
+        </p:txBody>
+      </p:sp>
+      <p:sp>
+        <p:nvSpPr>
+          <p:cNvPr id="3" name="Marcador de fecha 2"/>
+          <p:cNvSpPr>
+            <a:spLocks noGrp="1"/>
+          </p:cNvSpPr>
+          <p:nvPr>
+            <p:ph type="dt" sz="quarter" idx="1"/>
+          </p:nvPr>
+        </p:nvSpPr>
+        <p:spPr>
+          <a:xfrm>
+            <a:off x="3848100" y="0"/>
+            <a:ext cx="2944813" cy="496888"/>
+          </a:xfrm>
+          <a:prstGeom prst="rect">
+            <a:avLst/>
+          </a:prstGeom>
+        </p:spPr>
+        <p:txBody>
+          <a:bodyPr vert="horz" lIns="91440" tIns="45720" rIns="91440" bIns="45720" rtlCol="0"/>
+          <a:lstStyle>
+            <a:lvl1pPr algn="r">
+              <a:defRPr sz="1200"/>
+            </a:lvl1pPr>
+          </a:lstStyle>
+          <a:p>
+            <a:fld id="{C2FAEFD0-C264-44B1-98AC-D96313529780}" type="datetimeFigureOut">
+              <a:rPr lang="es-CO" smtClean="0"/>
+              <a:t>20/11/2015</a:t>
+            </a:fld>
+            <a:endParaRPr lang="es-CO"/>
+          </a:p>
+        </p:txBody>
+      </p:sp>
+      <p:sp>
+        <p:nvSpPr>
+          <p:cNvPr id="4" name="Marcador de pie de página 3"/>
+          <p:cNvSpPr>
+            <a:spLocks noGrp="1"/>
+          </p:cNvSpPr>
+          <p:nvPr>
+            <p:ph type="ftr" sz="quarter" idx="2"/>
+          </p:nvPr>
+        </p:nvSpPr>
+        <p:spPr>
+          <a:xfrm>
+            <a:off x="0" y="9421813"/>
+            <a:ext cx="2944813" cy="496887"/>
+          </a:xfrm>
+          <a:prstGeom prst="rect">
+            <a:avLst/>
+          </a:prstGeom>
+        </p:spPr>
+        <p:txBody>
+          <a:bodyPr vert="horz" lIns="91440" tIns="45720" rIns="91440" bIns="45720" rtlCol="0" anchor="b"/>
+          <a:lstStyle>
+            <a:lvl1pPr algn="l">
+              <a:defRPr sz="1200"/>
+            </a:lvl1pPr>
+          </a:lstStyle>
+          <a:p>
+            <a:endParaRPr lang="es-CO"/>
+          </a:p>
+        </p:txBody>
+      </p:sp>
+      <p:sp>
+        <p:nvSpPr>
+          <p:cNvPr id="5" name="Marcador de número de diapositiva 4"/>
+          <p:cNvSpPr>
+            <a:spLocks noGrp="1"/>
+          </p:cNvSpPr>
+          <p:nvPr>
+            <p:ph type="sldNum" sz="quarter" idx="3"/>
+          </p:nvPr>
+        </p:nvSpPr>
+        <p:spPr>
+          <a:xfrm>
+            <a:off x="3848100" y="9421813"/>
+            <a:ext cx="2944813" cy="496887"/>
+          </a:xfrm>
+          <a:prstGeom prst="rect">
+            <a:avLst/>
+          </a:prstGeom>
+        </p:spPr>
+        <p:txBody>
+          <a:bodyPr vert="horz" lIns="91440" tIns="45720" rIns="91440" bIns="45720" rtlCol="0" anchor="b"/>
+          <a:lstStyle>
+            <a:lvl1pPr algn="r">
+              <a:defRPr sz="1200"/>
+            </a:lvl1pPr>
+          </a:lstStyle>
+          <a:p>
+            <a:fld id="{93CE9FA9-4BD1-43E3-ACEE-293F7DF35A32}" type="slidenum">
+              <a:rPr lang="es-CO" smtClean="0"/>
+              <a:t>‹Nº›</a:t>
+            </a:fld>
+            <a:endParaRPr lang="es-CO"/>
+          </a:p>
+        </p:txBody>
+      </p:sp>
+    </p:spTree>
+    <p:extLst>
+      <p:ext uri="{BB962C8B-B14F-4D97-AF65-F5344CB8AC3E}">
+        <p14:creationId xmlns:p14="http://schemas.microsoft.com/office/powerpoint/2010/main" val="3534965368"/>
+      </p:ext>
+    </p:extLst>
+  </p:cSld>
+  <p:clrMap bg1="lt1" tx1="dk1" bg2="lt2" tx2="dk2" accent1="accent1" accent2="accent2" accent3="accent3" accent4="accent4" accent5="accent5" accent6="accent6" hlink="hlink" folHlink="folHlink"/>
+</p:handoutMaster>
+</file>
+
+<file path=ppt/notesMasters/notesMaster1.xml><?xml version="1.0" encoding="utf-8"?>
+<p:notesMaster xmlns:a="http://schemas.openxmlformats.org/drawingml/2006/main" xmlns:r="http://schemas.openxmlformats.org/officeDocument/2006/relationships" xmlns:p="http://schemas.openxmlformats.org/presentationml/2006/main">
+  <p:cSld>
+    <p:bg>
+      <p:bgRef idx="1001">
+        <a:schemeClr val="bg1"/>
+      </p:bgRef>
+    </p:bg>
+    <p:spTree>
+      <p:nvGrpSpPr>
+        <p:cNvPr id="1" name=""/>
+        <p:cNvGrpSpPr/>
+        <p:nvPr/>
+      </p:nvGrpSpPr>
+      <p:grpSpPr>
+        <a:xfrm>
+          <a:off x="0" y="0"/>
+          <a:ext cx="0" cy="0"/>
+          <a:chOff x="0" y="0"/>
+          <a:chExt cx="0" cy="0"/>
+        </a:xfrm>
+      </p:grpSpPr>
+      <p:sp>
+        <p:nvSpPr>
+          <p:cNvPr id="2" name="Marcador de encabezado 1"/>
+          <p:cNvSpPr>
+            <a:spLocks noGrp="1"/>
+          </p:cNvSpPr>
+          <p:nvPr>
+            <p:ph type="hdr" sz="quarter"/>
+          </p:nvPr>
+        </p:nvSpPr>
+        <p:spPr>
+          <a:xfrm>
+            <a:off x="0" y="0"/>
+            <a:ext cx="2944813" cy="496888"/>
+          </a:xfrm>
+          <a:prstGeom prst="rect">
+            <a:avLst/>
+          </a:prstGeom>
+        </p:spPr>
+        <p:txBody>
+          <a:bodyPr vert="horz" lIns="91440" tIns="45720" rIns="91440" bIns="45720" rtlCol="0"/>
+          <a:lstStyle>
+            <a:lvl1pPr algn="l">
+              <a:defRPr sz="1200"/>
+            </a:lvl1pPr>
+          </a:lstStyle>
+          <a:p>
+            <a:endParaRPr lang="es-CO"/>
+          </a:p>
+        </p:txBody>
+      </p:sp>
+      <p:sp>
+        <p:nvSpPr>
+          <p:cNvPr id="3" name="Marcador de fecha 2"/>
+          <p:cNvSpPr>
+            <a:spLocks noGrp="1"/>
+          </p:cNvSpPr>
+          <p:nvPr>
+            <p:ph type="dt" idx="1"/>
+          </p:nvPr>
+        </p:nvSpPr>
+        <p:spPr>
+          <a:xfrm>
+            <a:off x="3848100" y="0"/>
+            <a:ext cx="2944813" cy="496888"/>
+          </a:xfrm>
+          <a:prstGeom prst="rect">
+            <a:avLst/>
+          </a:prstGeom>
+        </p:spPr>
+        <p:txBody>
+          <a:bodyPr vert="horz" lIns="91440" tIns="45720" rIns="91440" bIns="45720" rtlCol="0"/>
+          <a:lstStyle>
+            <a:lvl1pPr algn="r">
+              <a:defRPr sz="1200"/>
+            </a:lvl1pPr>
+          </a:lstStyle>
+          <a:p>
+            <a:fld id="{FA945996-FF64-4CC0-9D30-2FC1699DBF94}" type="datetimeFigureOut">
+              <a:rPr lang="es-CO" smtClean="0"/>
+              <a:t>20/11/2015</a:t>
+            </a:fld>
+            <a:endParaRPr lang="es-CO"/>
+          </a:p>
+        </p:txBody>
+      </p:sp>
+      <p:sp>
+        <p:nvSpPr>
+          <p:cNvPr id="4" name="Marcador de imagen de diapositiva 3"/>
+          <p:cNvSpPr>
+            <a:spLocks noGrp="1" noRot="1" noChangeAspect="1"/>
+          </p:cNvSpPr>
+          <p:nvPr>
+            <p:ph type="sldImg" idx="2"/>
+          </p:nvPr>
+        </p:nvSpPr>
+        <p:spPr>
+          <a:xfrm>
+            <a:off x="979488" y="1239838"/>
+            <a:ext cx="4835525" cy="3348037"/>
+          </a:xfrm>
+          <a:prstGeom prst="rect">
+            <a:avLst/>
+          </a:prstGeom>
+          <a:noFill/>
+          <a:ln w="12700">
+            <a:solidFill>
+              <a:prstClr val="black"/>
+            </a:solidFill>
+          </a:ln>
+        </p:spPr>
+        <p:txBody>
+          <a:bodyPr vert="horz" lIns="91440" tIns="45720" rIns="91440" bIns="45720" rtlCol="0" anchor="ctr"/>
+          <a:lstStyle/>
+          <a:p>
+            <a:endParaRPr lang="es-CO"/>
+          </a:p>
+        </p:txBody>
+      </p:sp>
+      <p:sp>
+        <p:nvSpPr>
+          <p:cNvPr id="5" name="Marcador de notas 4"/>
+          <p:cNvSpPr>
+            <a:spLocks noGrp="1"/>
+          </p:cNvSpPr>
+          <p:nvPr>
+            <p:ph type="body" sz="quarter" idx="3"/>
+          </p:nvPr>
+        </p:nvSpPr>
+        <p:spPr>
+          <a:xfrm>
+            <a:off x="679450" y="4773613"/>
+            <a:ext cx="5435600" cy="3905250"/>
+          </a:xfrm>
+          <a:prstGeom prst="rect">
+            <a:avLst/>
+          </a:prstGeom>
+        </p:spPr>
+        <p:txBody>
+          <a:bodyPr vert="horz" lIns="91440" tIns="45720" rIns="91440" bIns="45720" rtlCol="0"/>
+          <a:lstStyle/>
+          <a:p>
+            <a:pPr lvl="0"/>
+            <a:r>
+              <a:rPr lang="es-ES" smtClean="0"/>
+              <a:t>Haga clic para modificar el estilo de texto del patrón</a:t>
+            </a:r>
+          </a:p>
+          <a:p>
+            <a:pPr lvl="1"/>
+            <a:r>
+              <a:rPr lang="es-ES" smtClean="0"/>
+              <a:t>Segundo nivel</a:t>
+            </a:r>
+          </a:p>
+          <a:p>
+            <a:pPr lvl="2"/>
+            <a:r>
+              <a:rPr lang="es-ES" smtClean="0"/>
+              <a:t>Tercer nivel</a:t>
+            </a:r>
+          </a:p>
+          <a:p>
+            <a:pPr lvl="3"/>
+            <a:r>
+              <a:rPr lang="es-ES" smtClean="0"/>
+              <a:t>Cuarto nivel</a:t>
+            </a:r>
+          </a:p>
+          <a:p>
+            <a:pPr lvl="4"/>
+            <a:r>
+              <a:rPr lang="es-ES" smtClean="0"/>
+              <a:t>Quinto nivel</a:t>
+            </a:r>
+            <a:endParaRPr lang="es-CO"/>
+          </a:p>
+        </p:txBody>
+      </p:sp>
+      <p:sp>
+        <p:nvSpPr>
+          <p:cNvPr id="6" name="Marcador de pie de página 5"/>
+          <p:cNvSpPr>
+            <a:spLocks noGrp="1"/>
+          </p:cNvSpPr>
+          <p:nvPr>
+            <p:ph type="ftr" sz="quarter" idx="4"/>
+          </p:nvPr>
+        </p:nvSpPr>
+        <p:spPr>
+          <a:xfrm>
+            <a:off x="0" y="9421813"/>
+            <a:ext cx="2944813" cy="496887"/>
+          </a:xfrm>
+          <a:prstGeom prst="rect">
+            <a:avLst/>
+          </a:prstGeom>
+        </p:spPr>
+        <p:txBody>
+          <a:bodyPr vert="horz" lIns="91440" tIns="45720" rIns="91440" bIns="45720" rtlCol="0" anchor="b"/>
+          <a:lstStyle>
+            <a:lvl1pPr algn="l">
+              <a:defRPr sz="1200"/>
+            </a:lvl1pPr>
+          </a:lstStyle>
+          <a:p>
+            <a:endParaRPr lang="es-CO"/>
+          </a:p>
+        </p:txBody>
+      </p:sp>
+      <p:sp>
+        <p:nvSpPr>
+          <p:cNvPr id="7" name="Marcador de número de diapositiva 6"/>
+          <p:cNvSpPr>
+            <a:spLocks noGrp="1"/>
+          </p:cNvSpPr>
+          <p:nvPr>
+            <p:ph type="sldNum" sz="quarter" idx="5"/>
+          </p:nvPr>
+        </p:nvSpPr>
+        <p:spPr>
+          <a:xfrm>
+            <a:off x="3848100" y="9421813"/>
+            <a:ext cx="2944813" cy="496887"/>
+          </a:xfrm>
+          <a:prstGeom prst="rect">
+            <a:avLst/>
+          </a:prstGeom>
+        </p:spPr>
+        <p:txBody>
+          <a:bodyPr vert="horz" lIns="91440" tIns="45720" rIns="91440" bIns="45720" rtlCol="0" anchor="b"/>
+          <a:lstStyle>
+            <a:lvl1pPr algn="r">
+              <a:defRPr sz="1200"/>
+            </a:lvl1pPr>
+          </a:lstStyle>
+          <a:p>
+            <a:fld id="{88B45B68-EDCA-4AD7-A93A-530EFF1ABBBA}" type="slidenum">
+              <a:rPr lang="es-CO" smtClean="0"/>
+              <a:t>‹Nº›</a:t>
+            </a:fld>
+            <a:endParaRPr lang="es-CO"/>
+          </a:p>
+        </p:txBody>
+      </p:sp>
+    </p:spTree>
+    <p:extLst>
+      <p:ext uri="{BB962C8B-B14F-4D97-AF65-F5344CB8AC3E}">
+        <p14:creationId xmlns:p14="http://schemas.microsoft.com/office/powerpoint/2010/main" val="2552733001"/>
+      </p:ext>
+    </p:extLst>
+  </p:cSld>
+  <p:clrMap bg1="lt1" tx1="dk1" bg2="lt2" tx2="dk2" accent1="accent1" accent2="accent2" accent3="accent3" accent4="accent4" accent5="accent5" accent6="accent6" hlink="hlink" folHlink="folHlink"/>
+  <p:notesStyle>
+    <a:lvl1pPr marL="0" algn="l" defTabSz="914400" rtl="0" eaLnBrk="1" latinLnBrk="0" hangingPunct="1">
+      <a:defRPr sz="1200" kern="1200">
+        <a:solidFill>
+          <a:schemeClr val="tx1"/>
+        </a:solidFill>
+        <a:latin typeface="+mn-lt"/>
+        <a:ea typeface="+mn-ea"/>
+        <a:cs typeface="+mn-cs"/>
+      </a:defRPr>
+    </a:lvl1pPr>
+    <a:lvl2pPr marL="457200" algn="l" defTabSz="914400" rtl="0" eaLnBrk="1" latinLnBrk="0" hangingPunct="1">
+      <a:defRPr sz="1200" kern="1200">
+        <a:solidFill>
+          <a:schemeClr val="tx1"/>
+        </a:solidFill>
+        <a:latin typeface="+mn-lt"/>
+        <a:ea typeface="+mn-ea"/>
+        <a:cs typeface="+mn-cs"/>
+      </a:defRPr>
+    </a:lvl2pPr>
+    <a:lvl3pPr marL="914400" algn="l" defTabSz="914400" rtl="0" eaLnBrk="1" latinLnBrk="0" hangingPunct="1">
+      <a:defRPr sz="1200" kern="1200">
+        <a:solidFill>
+          <a:schemeClr val="tx1"/>
+        </a:solidFill>
+        <a:latin typeface="+mn-lt"/>
+        <a:ea typeface="+mn-ea"/>
+        <a:cs typeface="+mn-cs"/>
+      </a:defRPr>
+    </a:lvl3pPr>
+    <a:lvl4pPr marL="1371600" algn="l" defTabSz="914400" rtl="0" eaLnBrk="1" latinLnBrk="0" hangingPunct="1">
+      <a:defRPr sz="1200" kern="1200">
+        <a:solidFill>
+          <a:schemeClr val="tx1"/>
+        </a:solidFill>
+        <a:latin typeface="+mn-lt"/>
+        <a:ea typeface="+mn-ea"/>
+        <a:cs typeface="+mn-cs"/>
+      </a:defRPr>
+    </a:lvl4pPr>
+    <a:lvl5pPr marL="1828800" algn="l" defTabSz="914400" rtl="0" eaLnBrk="1" latinLnBrk="0" hangingPunct="1">
+      <a:defRPr sz="1200" kern="1200">
+        <a:solidFill>
+          <a:schemeClr val="tx1"/>
+        </a:solidFill>
+        <a:latin typeface="+mn-lt"/>
+        <a:ea typeface="+mn-ea"/>
+        <a:cs typeface="+mn-cs"/>
+      </a:defRPr>
+    </a:lvl5pPr>
+    <a:lvl6pPr marL="2286000" algn="l" defTabSz="914400" rtl="0" eaLnBrk="1" latinLnBrk="0" hangingPunct="1">
+      <a:defRPr sz="1200" kern="1200">
+        <a:solidFill>
+          <a:schemeClr val="tx1"/>
+        </a:solidFill>
+        <a:latin typeface="+mn-lt"/>
+        <a:ea typeface="+mn-ea"/>
+        <a:cs typeface="+mn-cs"/>
+      </a:defRPr>
+    </a:lvl6pPr>
+    <a:lvl7pPr marL="2743200" algn="l" defTabSz="914400" rtl="0" eaLnBrk="1" latinLnBrk="0" hangingPunct="1">
+      <a:defRPr sz="1200" kern="1200">
+        <a:solidFill>
+          <a:schemeClr val="tx1"/>
+        </a:solidFill>
+        <a:latin typeface="+mn-lt"/>
+        <a:ea typeface="+mn-ea"/>
+        <a:cs typeface="+mn-cs"/>
+      </a:defRPr>
+    </a:lvl7pPr>
+    <a:lvl8pPr marL="3200400" algn="l" defTabSz="914400" rtl="0" eaLnBrk="1" latinLnBrk="0" hangingPunct="1">
+      <a:defRPr sz="1200" kern="1200">
+        <a:solidFill>
+          <a:schemeClr val="tx1"/>
+        </a:solidFill>
+        <a:latin typeface="+mn-lt"/>
+        <a:ea typeface="+mn-ea"/>
+        <a:cs typeface="+mn-cs"/>
+      </a:defRPr>
+    </a:lvl8pPr>
+    <a:lvl9pPr marL="3657600" algn="l" defTabSz="914400" rtl="0" eaLnBrk="1" latinLnBrk="0" hangingPunct="1">
+      <a:defRPr sz="1200" kern="1200">
+        <a:solidFill>
+          <a:schemeClr val="tx1"/>
+        </a:solidFill>
+        <a:latin typeface="+mn-lt"/>
+        <a:ea typeface="+mn-ea"/>
+        <a:cs typeface="+mn-cs"/>
+      </a:defRPr>
+    </a:lvl9pPr>
+  </p:notesStyle>
+</p:notesMaster>
+</file>
+
 <file path=ppt/slideLayouts/slideLayout1.xml><?xml version="1.0" encoding="utf-8"?>
 <p:sldLayout xmlns:a="http://schemas.openxmlformats.org/drawingml/2006/main" xmlns:r="http://schemas.openxmlformats.org/officeDocument/2006/relationships" xmlns:p="http://schemas.openxmlformats.org/presentationml/2006/main" type="title" preserve="1">
   <p:cSld name="Diapositiva de título">
@@ -131,7 +652,7 @@
       </p:grpSpPr>
       <p:sp>
         <p:nvSpPr>
-          <p:cNvPr id="2" name="Title 1"/>
+          <p:cNvPr id="2" name="Título 1"/>
           <p:cNvSpPr>
             <a:spLocks noGrp="1"/>
           </p:cNvSpPr>
@@ -141,15 +662,15 @@
         </p:nvSpPr>
         <p:spPr>
           <a:xfrm>
-            <a:off x="742950" y="1122363"/>
-            <a:ext cx="8420100" cy="2387600"/>
+            <a:off x="1238250" y="1122363"/>
+            <a:ext cx="7429500" cy="2387600"/>
           </a:xfrm>
         </p:spPr>
         <p:txBody>
           <a:bodyPr anchor="b"/>
           <a:lstStyle>
             <a:lvl1pPr algn="ctr">
-              <a:defRPr sz="6000"/>
+              <a:defRPr sz="4875"/>
             </a:lvl1pPr>
           </a:lstStyle>
           <a:p>
@@ -157,13 +678,13 @@
               <a:rPr lang="es-ES" smtClean="0"/>
               <a:t>Haga clic para modificar el estilo de título del patrón</a:t>
             </a:r>
-            <a:endParaRPr lang="en-US" dirty="0"/>
-          </a:p>
-        </p:txBody>
-      </p:sp>
-      <p:sp>
-        <p:nvSpPr>
-          <p:cNvPr id="3" name="Subtitle 2"/>
+            <a:endParaRPr lang="es-CO"/>
+          </a:p>
+        </p:txBody>
+      </p:sp>
+      <p:sp>
+        <p:nvSpPr>
+          <p:cNvPr id="3" name="Subtítulo 2"/>
           <p:cNvSpPr>
             <a:spLocks noGrp="1"/>
           </p:cNvSpPr>
@@ -182,39 +703,39 @@
           <a:lstStyle>
             <a:lvl1pPr marL="0" indent="0" algn="ctr">
               <a:buNone/>
-              <a:defRPr sz="2400"/>
+              <a:defRPr sz="1950"/>
             </a:lvl1pPr>
-            <a:lvl2pPr marL="457200" indent="0" algn="ctr">
+            <a:lvl2pPr marL="371475" indent="0" algn="ctr">
               <a:buNone/>
-              <a:defRPr sz="2000"/>
+              <a:defRPr sz="1625"/>
             </a:lvl2pPr>
-            <a:lvl3pPr marL="914400" indent="0" algn="ctr">
+            <a:lvl3pPr marL="742950" indent="0" algn="ctr">
               <a:buNone/>
-              <a:defRPr sz="1800"/>
+              <a:defRPr sz="1463"/>
             </a:lvl3pPr>
-            <a:lvl4pPr marL="1371600" indent="0" algn="ctr">
+            <a:lvl4pPr marL="1114425" indent="0" algn="ctr">
               <a:buNone/>
-              <a:defRPr sz="1600"/>
+              <a:defRPr sz="1300"/>
             </a:lvl4pPr>
-            <a:lvl5pPr marL="1828800" indent="0" algn="ctr">
+            <a:lvl5pPr marL="1485900" indent="0" algn="ctr">
               <a:buNone/>
-              <a:defRPr sz="1600"/>
+              <a:defRPr sz="1300"/>
             </a:lvl5pPr>
-            <a:lvl6pPr marL="2286000" indent="0" algn="ctr">
+            <a:lvl6pPr marL="1857375" indent="0" algn="ctr">
               <a:buNone/>
-              <a:defRPr sz="1600"/>
+              <a:defRPr sz="1300"/>
             </a:lvl6pPr>
-            <a:lvl7pPr marL="2743200" indent="0" algn="ctr">
+            <a:lvl7pPr marL="2228850" indent="0" algn="ctr">
               <a:buNone/>
-              <a:defRPr sz="1600"/>
+              <a:defRPr sz="1300"/>
             </a:lvl7pPr>
-            <a:lvl8pPr marL="3200400" indent="0" algn="ctr">
+            <a:lvl8pPr marL="2600325" indent="0" algn="ctr">
               <a:buNone/>
-              <a:defRPr sz="1600"/>
+              <a:defRPr sz="1300"/>
             </a:lvl8pPr>
-            <a:lvl9pPr marL="3657600" indent="0" algn="ctr">
+            <a:lvl9pPr marL="2971800" indent="0" algn="ctr">
               <a:buNone/>
-              <a:defRPr sz="1600"/>
+              <a:defRPr sz="1300"/>
             </a:lvl9pPr>
           </a:lstStyle>
           <a:p>
@@ -222,13 +743,13 @@
               <a:rPr lang="es-ES" smtClean="0"/>
               <a:t>Haga clic para modificar el estilo de subtítulo del patrón</a:t>
             </a:r>
-            <a:endParaRPr lang="en-US" dirty="0"/>
-          </a:p>
-        </p:txBody>
-      </p:sp>
-      <p:sp>
-        <p:nvSpPr>
-          <p:cNvPr id="4" name="Date Placeholder 3"/>
+            <a:endParaRPr lang="es-CO"/>
+          </a:p>
+        </p:txBody>
+      </p:sp>
+      <p:sp>
+        <p:nvSpPr>
+          <p:cNvPr id="4" name="Marcador de fecha 3"/>
           <p:cNvSpPr>
             <a:spLocks noGrp="1"/>
           </p:cNvSpPr>
@@ -242,8 +763,8 @@
           <a:lstStyle/>
           <a:p>
             <a:fld id="{C764DE79-268F-4C1A-8933-263129D2AF90}" type="datetimeFigureOut">
-              <a:rPr lang="en-US" dirty="0"/>
-              <a:t>11/18/2015</a:t>
+              <a:rPr lang="en-US" smtClean="0"/>
+              <a:t>11/20/2015</a:t>
             </a:fld>
             <a:endParaRPr lang="en-US" dirty="0"/>
           </a:p>
@@ -251,7 +772,7 @@
       </p:sp>
       <p:sp>
         <p:nvSpPr>
-          <p:cNvPr id="5" name="Footer Placeholder 4"/>
+          <p:cNvPr id="5" name="Marcador de pie de página 4"/>
           <p:cNvSpPr>
             <a:spLocks noGrp="1"/>
           </p:cNvSpPr>
@@ -270,7 +791,7 @@
       </p:sp>
       <p:sp>
         <p:nvSpPr>
-          <p:cNvPr id="6" name="Slide Number Placeholder 5"/>
+          <p:cNvPr id="6" name="Marcador de número de diapositiva 5"/>
           <p:cNvSpPr>
             <a:spLocks noGrp="1"/>
           </p:cNvSpPr>
@@ -284,7 +805,7 @@
           <a:lstStyle/>
           <a:p>
             <a:fld id="{48F63A3B-78C7-47BE-AE5E-E10140E04643}" type="slidenum">
-              <a:rPr lang="en-US" dirty="0"/>
+              <a:rPr lang="en-US" smtClean="0"/>
               <a:t>‹Nº›</a:t>
             </a:fld>
             <a:endParaRPr lang="en-US" dirty="0"/>
@@ -294,7 +815,7 @@
     </p:spTree>
     <p:extLst>
       <p:ext uri="{BB962C8B-B14F-4D97-AF65-F5344CB8AC3E}">
-        <p14:creationId xmlns:p14="http://schemas.microsoft.com/office/powerpoint/2010/main" val="644096382"/>
+        <p14:creationId xmlns:p14="http://schemas.microsoft.com/office/powerpoint/2010/main" val="4260683980"/>
       </p:ext>
     </p:extLst>
   </p:cSld>
@@ -323,7 +844,7 @@
       </p:grpSpPr>
       <p:sp>
         <p:nvSpPr>
-          <p:cNvPr id="2" name="Title 1"/>
+          <p:cNvPr id="2" name="Título 1"/>
           <p:cNvSpPr>
             <a:spLocks noGrp="1"/>
           </p:cNvSpPr>
@@ -340,13 +861,13 @@
               <a:rPr lang="es-ES" smtClean="0"/>
               <a:t>Haga clic para modificar el estilo de título del patrón</a:t>
             </a:r>
-            <a:endParaRPr lang="en-US" dirty="0"/>
-          </a:p>
-        </p:txBody>
-      </p:sp>
-      <p:sp>
-        <p:nvSpPr>
-          <p:cNvPr id="3" name="Vertical Text Placeholder 2"/>
+            <a:endParaRPr lang="es-CO"/>
+          </a:p>
+        </p:txBody>
+      </p:sp>
+      <p:sp>
+        <p:nvSpPr>
+          <p:cNvPr id="3" name="Marcador de texto vertical 2"/>
           <p:cNvSpPr>
             <a:spLocks noGrp="1"/>
           </p:cNvSpPr>
@@ -392,13 +913,13 @@
               <a:rPr lang="es-ES" smtClean="0"/>
               <a:t>Quinto nivel</a:t>
             </a:r>
-            <a:endParaRPr lang="en-US" dirty="0"/>
-          </a:p>
-        </p:txBody>
-      </p:sp>
-      <p:sp>
-        <p:nvSpPr>
-          <p:cNvPr id="4" name="Date Placeholder 3"/>
+            <a:endParaRPr lang="es-CO"/>
+          </a:p>
+        </p:txBody>
+      </p:sp>
+      <p:sp>
+        <p:nvSpPr>
+          <p:cNvPr id="4" name="Marcador de fecha 3"/>
           <p:cNvSpPr>
             <a:spLocks noGrp="1"/>
           </p:cNvSpPr>
@@ -412,8 +933,8 @@
           <a:lstStyle/>
           <a:p>
             <a:fld id="{C764DE79-268F-4C1A-8933-263129D2AF90}" type="datetimeFigureOut">
-              <a:rPr lang="en-US" dirty="0"/>
-              <a:t>11/18/2015</a:t>
+              <a:rPr lang="en-US" smtClean="0"/>
+              <a:t>11/20/2015</a:t>
             </a:fld>
             <a:endParaRPr lang="en-US" dirty="0"/>
           </a:p>
@@ -421,7 +942,7 @@
       </p:sp>
       <p:sp>
         <p:nvSpPr>
-          <p:cNvPr id="5" name="Footer Placeholder 4"/>
+          <p:cNvPr id="5" name="Marcador de pie de página 4"/>
           <p:cNvSpPr>
             <a:spLocks noGrp="1"/>
           </p:cNvSpPr>
@@ -440,7 +961,7 @@
       </p:sp>
       <p:sp>
         <p:nvSpPr>
-          <p:cNvPr id="6" name="Slide Number Placeholder 5"/>
+          <p:cNvPr id="6" name="Marcador de número de diapositiva 5"/>
           <p:cNvSpPr>
             <a:spLocks noGrp="1"/>
           </p:cNvSpPr>
@@ -454,7 +975,7 @@
           <a:lstStyle/>
           <a:p>
             <a:fld id="{48F63A3B-78C7-47BE-AE5E-E10140E04643}" type="slidenum">
-              <a:rPr lang="en-US" dirty="0"/>
+              <a:rPr lang="en-US" smtClean="0"/>
               <a:t>‹Nº›</a:t>
             </a:fld>
             <a:endParaRPr lang="en-US" dirty="0"/>
@@ -464,7 +985,7 @@
     </p:spTree>
     <p:extLst>
       <p:ext uri="{BB962C8B-B14F-4D97-AF65-F5344CB8AC3E}">
-        <p14:creationId xmlns:p14="http://schemas.microsoft.com/office/powerpoint/2010/main" val="3985903978"/>
+        <p14:creationId xmlns:p14="http://schemas.microsoft.com/office/powerpoint/2010/main" val="2112591141"/>
       </p:ext>
     </p:extLst>
   </p:cSld>
@@ -493,7 +1014,7 @@
       </p:grpSpPr>
       <p:sp>
         <p:nvSpPr>
-          <p:cNvPr id="2" name="Vertical Title 1"/>
+          <p:cNvPr id="2" name="Título vertical 1"/>
           <p:cNvSpPr>
             <a:spLocks noGrp="1"/>
           </p:cNvSpPr>
@@ -503,7 +1024,7 @@
         </p:nvSpPr>
         <p:spPr>
           <a:xfrm>
-            <a:off x="7088982" y="365125"/>
+            <a:off x="7088981" y="365125"/>
             <a:ext cx="2135981" cy="5811838"/>
           </a:xfrm>
         </p:spPr>
@@ -515,13 +1036,13 @@
               <a:rPr lang="es-ES" smtClean="0"/>
               <a:t>Haga clic para modificar el estilo de título del patrón</a:t>
             </a:r>
-            <a:endParaRPr lang="en-US" dirty="0"/>
-          </a:p>
-        </p:txBody>
-      </p:sp>
-      <p:sp>
-        <p:nvSpPr>
-          <p:cNvPr id="3" name="Vertical Text Placeholder 2"/>
+            <a:endParaRPr lang="es-CO"/>
+          </a:p>
+        </p:txBody>
+      </p:sp>
+      <p:sp>
+        <p:nvSpPr>
+          <p:cNvPr id="3" name="Marcador de texto vertical 2"/>
           <p:cNvSpPr>
             <a:spLocks noGrp="1"/>
           </p:cNvSpPr>
@@ -531,7 +1052,7 @@
         </p:nvSpPr>
         <p:spPr>
           <a:xfrm>
-            <a:off x="681038" y="365125"/>
+            <a:off x="681037" y="365125"/>
             <a:ext cx="6284119" cy="5811838"/>
           </a:xfrm>
         </p:spPr>
@@ -572,13 +1093,13 @@
               <a:rPr lang="es-ES" smtClean="0"/>
               <a:t>Quinto nivel</a:t>
             </a:r>
-            <a:endParaRPr lang="en-US" dirty="0"/>
-          </a:p>
-        </p:txBody>
-      </p:sp>
-      <p:sp>
-        <p:nvSpPr>
-          <p:cNvPr id="4" name="Date Placeholder 3"/>
+            <a:endParaRPr lang="es-CO"/>
+          </a:p>
+        </p:txBody>
+      </p:sp>
+      <p:sp>
+        <p:nvSpPr>
+          <p:cNvPr id="4" name="Marcador de fecha 3"/>
           <p:cNvSpPr>
             <a:spLocks noGrp="1"/>
           </p:cNvSpPr>
@@ -592,8 +1113,8 @@
           <a:lstStyle/>
           <a:p>
             <a:fld id="{C764DE79-268F-4C1A-8933-263129D2AF90}" type="datetimeFigureOut">
-              <a:rPr lang="en-US" dirty="0"/>
-              <a:t>11/18/2015</a:t>
+              <a:rPr lang="en-US" smtClean="0"/>
+              <a:t>11/20/2015</a:t>
             </a:fld>
             <a:endParaRPr lang="en-US" dirty="0"/>
           </a:p>
@@ -601,7 +1122,7 @@
       </p:sp>
       <p:sp>
         <p:nvSpPr>
-          <p:cNvPr id="5" name="Footer Placeholder 4"/>
+          <p:cNvPr id="5" name="Marcador de pie de página 4"/>
           <p:cNvSpPr>
             <a:spLocks noGrp="1"/>
           </p:cNvSpPr>
@@ -620,7 +1141,7 @@
       </p:sp>
       <p:sp>
         <p:nvSpPr>
-          <p:cNvPr id="6" name="Slide Number Placeholder 5"/>
+          <p:cNvPr id="6" name="Marcador de número de diapositiva 5"/>
           <p:cNvSpPr>
             <a:spLocks noGrp="1"/>
           </p:cNvSpPr>
@@ -634,7 +1155,7 @@
           <a:lstStyle/>
           <a:p>
             <a:fld id="{48F63A3B-78C7-47BE-AE5E-E10140E04643}" type="slidenum">
-              <a:rPr lang="en-US" dirty="0"/>
+              <a:rPr lang="en-US" smtClean="0"/>
               <a:t>‹Nº›</a:t>
             </a:fld>
             <a:endParaRPr lang="en-US" dirty="0"/>
@@ -644,7 +1165,7 @@
     </p:spTree>
     <p:extLst>
       <p:ext uri="{BB962C8B-B14F-4D97-AF65-F5344CB8AC3E}">
-        <p14:creationId xmlns:p14="http://schemas.microsoft.com/office/powerpoint/2010/main" val="87016485"/>
+        <p14:creationId xmlns:p14="http://schemas.microsoft.com/office/powerpoint/2010/main" val="4062835009"/>
       </p:ext>
     </p:extLst>
   </p:cSld>
@@ -655,6 +1176,101 @@
 </file>
 
 <file path=ppt/slideLayouts/slideLayout12.xml><?xml version="1.0" encoding="utf-8"?>
+<p:sldLayout xmlns:a="http://schemas.openxmlformats.org/drawingml/2006/main" xmlns:r="http://schemas.openxmlformats.org/officeDocument/2006/relationships" xmlns:p="http://schemas.openxmlformats.org/presentationml/2006/main" preserve="1" userDrawn="1">
+  <p:cSld name="1_En blanco">
+    <p:spTree>
+      <p:nvGrpSpPr>
+        <p:cNvPr id="1" name=""/>
+        <p:cNvGrpSpPr/>
+        <p:nvPr/>
+      </p:nvGrpSpPr>
+      <p:grpSpPr>
+        <a:xfrm>
+          <a:off x="0" y="0"/>
+          <a:ext cx="0" cy="0"/>
+          <a:chOff x="0" y="0"/>
+          <a:chExt cx="0" cy="0"/>
+        </a:xfrm>
+      </p:grpSpPr>
+      <p:sp>
+        <p:nvSpPr>
+          <p:cNvPr id="2" name="Date Placeholder 1"/>
+          <p:cNvSpPr>
+            <a:spLocks noGrp="1"/>
+          </p:cNvSpPr>
+          <p:nvPr>
+            <p:ph type="dt" sz="half" idx="10"/>
+          </p:nvPr>
+        </p:nvSpPr>
+        <p:spPr/>
+        <p:txBody>
+          <a:bodyPr/>
+          <a:lstStyle/>
+          <a:p>
+            <a:fld id="{5001C876-01F7-4317-94B9-1AE222133113}" type="datetimeFigureOut">
+              <a:rPr lang="es-ES" smtClean="0"/>
+              <a:t>20/11/2015</a:t>
+            </a:fld>
+            <a:endParaRPr lang="es-ES"/>
+          </a:p>
+        </p:txBody>
+      </p:sp>
+      <p:sp>
+        <p:nvSpPr>
+          <p:cNvPr id="3" name="Footer Placeholder 2"/>
+          <p:cNvSpPr>
+            <a:spLocks noGrp="1"/>
+          </p:cNvSpPr>
+          <p:nvPr>
+            <p:ph type="ftr" sz="quarter" idx="11"/>
+          </p:nvPr>
+        </p:nvSpPr>
+        <p:spPr/>
+        <p:txBody>
+          <a:bodyPr/>
+          <a:lstStyle/>
+          <a:p>
+            <a:endParaRPr lang="es-ES"/>
+          </a:p>
+        </p:txBody>
+      </p:sp>
+      <p:sp>
+        <p:nvSpPr>
+          <p:cNvPr id="4" name="Slide Number Placeholder 3"/>
+          <p:cNvSpPr>
+            <a:spLocks noGrp="1"/>
+          </p:cNvSpPr>
+          <p:nvPr>
+            <p:ph type="sldNum" sz="quarter" idx="12"/>
+          </p:nvPr>
+        </p:nvSpPr>
+        <p:spPr/>
+        <p:txBody>
+          <a:bodyPr/>
+          <a:lstStyle/>
+          <a:p>
+            <a:fld id="{58140F73-F5A2-4B82-A2FA-BF1850CF1309}" type="slidenum">
+              <a:rPr lang="es-ES" smtClean="0"/>
+              <a:t>‹Nº›</a:t>
+            </a:fld>
+            <a:endParaRPr lang="es-ES"/>
+          </a:p>
+        </p:txBody>
+      </p:sp>
+    </p:spTree>
+    <p:extLst>
+      <p:ext uri="{BB962C8B-B14F-4D97-AF65-F5344CB8AC3E}">
+        <p14:creationId xmlns:p14="http://schemas.microsoft.com/office/powerpoint/2010/main" val="536825398"/>
+      </p:ext>
+    </p:extLst>
+  </p:cSld>
+  <p:clrMapOvr>
+    <a:masterClrMapping/>
+  </p:clrMapOvr>
+</p:sldLayout>
+</file>
+
+<file path=ppt/slideLayouts/slideLayout13.xml><?xml version="1.0" encoding="utf-8"?>
 <p:sldLayout xmlns:a="http://schemas.openxmlformats.org/drawingml/2006/main" xmlns:r="http://schemas.openxmlformats.org/officeDocument/2006/relationships" xmlns:p="http://schemas.openxmlformats.org/presentationml/2006/main" preserve="1" userDrawn="1">
   <p:cSld name="1_Diapositiva de título">
     <p:spTree>
@@ -691,7 +1307,7 @@
 </p:sldLayout>
 </file>
 
-<file path=ppt/slideLayouts/slideLayout13.xml><?xml version="1.0" encoding="utf-8"?>
+<file path=ppt/slideLayouts/slideLayout14.xml><?xml version="1.0" encoding="utf-8"?>
 <p:sldLayout xmlns:a="http://schemas.openxmlformats.org/drawingml/2006/main" xmlns:r="http://schemas.openxmlformats.org/officeDocument/2006/relationships" xmlns:p="http://schemas.openxmlformats.org/presentationml/2006/main" preserve="1" userDrawn="1">
   <p:cSld name="1_Título y objetos">
     <p:spTree>
@@ -728,7 +1344,7 @@
 </p:sldLayout>
 </file>
 
-<file path=ppt/slideLayouts/slideLayout14.xml><?xml version="1.0" encoding="utf-8"?>
+<file path=ppt/slideLayouts/slideLayout15.xml><?xml version="1.0" encoding="utf-8"?>
 <p:sldLayout xmlns:a="http://schemas.openxmlformats.org/drawingml/2006/main" xmlns:r="http://schemas.openxmlformats.org/officeDocument/2006/relationships" xmlns:p="http://schemas.openxmlformats.org/presentationml/2006/main" preserve="1" userDrawn="1">
   <p:cSld name="1_Encabezado de sección">
     <p:spTree>
@@ -765,7 +1381,7 @@
 </p:sldLayout>
 </file>
 
-<file path=ppt/slideLayouts/slideLayout15.xml><?xml version="1.0" encoding="utf-8"?>
+<file path=ppt/slideLayouts/slideLayout16.xml><?xml version="1.0" encoding="utf-8"?>
 <p:sldLayout xmlns:a="http://schemas.openxmlformats.org/drawingml/2006/main" xmlns:r="http://schemas.openxmlformats.org/officeDocument/2006/relationships" xmlns:p="http://schemas.openxmlformats.org/presentationml/2006/main" preserve="1" userDrawn="1">
   <p:cSld name="1_Dos objetos">
     <p:spTree>
@@ -802,7 +1418,7 @@
 </p:sldLayout>
 </file>
 
-<file path=ppt/slideLayouts/slideLayout16.xml><?xml version="1.0" encoding="utf-8"?>
+<file path=ppt/slideLayouts/slideLayout17.xml><?xml version="1.0" encoding="utf-8"?>
 <p:sldLayout xmlns:a="http://schemas.openxmlformats.org/drawingml/2006/main" xmlns:r="http://schemas.openxmlformats.org/officeDocument/2006/relationships" xmlns:p="http://schemas.openxmlformats.org/presentationml/2006/main" preserve="1" userDrawn="1">
   <p:cSld name="1_Comparación">
     <p:spTree>
@@ -839,7 +1455,7 @@
 </p:sldLayout>
 </file>
 
-<file path=ppt/slideLayouts/slideLayout17.xml><?xml version="1.0" encoding="utf-8"?>
+<file path=ppt/slideLayouts/slideLayout18.xml><?xml version="1.0" encoding="utf-8"?>
 <p:sldLayout xmlns:a="http://schemas.openxmlformats.org/drawingml/2006/main" xmlns:r="http://schemas.openxmlformats.org/officeDocument/2006/relationships" xmlns:p="http://schemas.openxmlformats.org/presentationml/2006/main" preserve="1" userDrawn="1">
   <p:cSld name="1_Solo el título">
     <p:spTree>
@@ -876,7 +1492,7 @@
 </p:sldLayout>
 </file>
 
-<file path=ppt/slideLayouts/slideLayout18.xml><?xml version="1.0" encoding="utf-8"?>
+<file path=ppt/slideLayouts/slideLayout19.xml><?xml version="1.0" encoding="utf-8"?>
 <p:sldLayout xmlns:a="http://schemas.openxmlformats.org/drawingml/2006/main" xmlns:r="http://schemas.openxmlformats.org/officeDocument/2006/relationships" xmlns:p="http://schemas.openxmlformats.org/presentationml/2006/main" preserve="1" userDrawn="1">
   <p:cSld name="1_Contenido con título">
     <p:spTree>
@@ -913,7 +1529,177 @@
 </p:sldLayout>
 </file>
 
-<file path=ppt/slideLayouts/slideLayout19.xml><?xml version="1.0" encoding="utf-8"?>
+<file path=ppt/slideLayouts/slideLayout2.xml><?xml version="1.0" encoding="utf-8"?>
+<p:sldLayout xmlns:a="http://schemas.openxmlformats.org/drawingml/2006/main" xmlns:r="http://schemas.openxmlformats.org/officeDocument/2006/relationships" xmlns:p="http://schemas.openxmlformats.org/presentationml/2006/main" type="obj" preserve="1">
+  <p:cSld name="Título y objetos">
+    <p:spTree>
+      <p:nvGrpSpPr>
+        <p:cNvPr id="1" name=""/>
+        <p:cNvGrpSpPr/>
+        <p:nvPr/>
+      </p:nvGrpSpPr>
+      <p:grpSpPr>
+        <a:xfrm>
+          <a:off x="0" y="0"/>
+          <a:ext cx="0" cy="0"/>
+          <a:chOff x="0" y="0"/>
+          <a:chExt cx="0" cy="0"/>
+        </a:xfrm>
+      </p:grpSpPr>
+      <p:sp>
+        <p:nvSpPr>
+          <p:cNvPr id="2" name="Título 1"/>
+          <p:cNvSpPr>
+            <a:spLocks noGrp="1"/>
+          </p:cNvSpPr>
+          <p:nvPr>
+            <p:ph type="title"/>
+          </p:nvPr>
+        </p:nvSpPr>
+        <p:spPr/>
+        <p:txBody>
+          <a:bodyPr/>
+          <a:lstStyle/>
+          <a:p>
+            <a:r>
+              <a:rPr lang="es-ES" smtClean="0"/>
+              <a:t>Haga clic para modificar el estilo de título del patrón</a:t>
+            </a:r>
+            <a:endParaRPr lang="es-CO"/>
+          </a:p>
+        </p:txBody>
+      </p:sp>
+      <p:sp>
+        <p:nvSpPr>
+          <p:cNvPr id="3" name="Marcador de contenido 2"/>
+          <p:cNvSpPr>
+            <a:spLocks noGrp="1"/>
+          </p:cNvSpPr>
+          <p:nvPr>
+            <p:ph idx="1"/>
+          </p:nvPr>
+        </p:nvSpPr>
+        <p:spPr/>
+        <p:txBody>
+          <a:bodyPr/>
+          <a:lstStyle/>
+          <a:p>
+            <a:pPr lvl="0"/>
+            <a:r>
+              <a:rPr lang="es-ES" smtClean="0"/>
+              <a:t>Haga clic para modificar el estilo de texto del patrón</a:t>
+            </a:r>
+          </a:p>
+          <a:p>
+            <a:pPr lvl="1"/>
+            <a:r>
+              <a:rPr lang="es-ES" smtClean="0"/>
+              <a:t>Segundo nivel</a:t>
+            </a:r>
+          </a:p>
+          <a:p>
+            <a:pPr lvl="2"/>
+            <a:r>
+              <a:rPr lang="es-ES" smtClean="0"/>
+              <a:t>Tercer nivel</a:t>
+            </a:r>
+          </a:p>
+          <a:p>
+            <a:pPr lvl="3"/>
+            <a:r>
+              <a:rPr lang="es-ES" smtClean="0"/>
+              <a:t>Cuarto nivel</a:t>
+            </a:r>
+          </a:p>
+          <a:p>
+            <a:pPr lvl="4"/>
+            <a:r>
+              <a:rPr lang="es-ES" smtClean="0"/>
+              <a:t>Quinto nivel</a:t>
+            </a:r>
+            <a:endParaRPr lang="es-CO"/>
+          </a:p>
+        </p:txBody>
+      </p:sp>
+      <p:sp>
+        <p:nvSpPr>
+          <p:cNvPr id="4" name="Marcador de fecha 3"/>
+          <p:cNvSpPr>
+            <a:spLocks noGrp="1"/>
+          </p:cNvSpPr>
+          <p:nvPr>
+            <p:ph type="dt" sz="half" idx="10"/>
+          </p:nvPr>
+        </p:nvSpPr>
+        <p:spPr/>
+        <p:txBody>
+          <a:bodyPr/>
+          <a:lstStyle/>
+          <a:p>
+            <a:fld id="{C764DE79-268F-4C1A-8933-263129D2AF90}" type="datetimeFigureOut">
+              <a:rPr lang="en-US" smtClean="0"/>
+              <a:t>11/20/2015</a:t>
+            </a:fld>
+            <a:endParaRPr lang="en-US" dirty="0"/>
+          </a:p>
+        </p:txBody>
+      </p:sp>
+      <p:sp>
+        <p:nvSpPr>
+          <p:cNvPr id="5" name="Marcador de pie de página 4"/>
+          <p:cNvSpPr>
+            <a:spLocks noGrp="1"/>
+          </p:cNvSpPr>
+          <p:nvPr>
+            <p:ph type="ftr" sz="quarter" idx="11"/>
+          </p:nvPr>
+        </p:nvSpPr>
+        <p:spPr/>
+        <p:txBody>
+          <a:bodyPr/>
+          <a:lstStyle/>
+          <a:p>
+            <a:endParaRPr lang="en-US" dirty="0"/>
+          </a:p>
+        </p:txBody>
+      </p:sp>
+      <p:sp>
+        <p:nvSpPr>
+          <p:cNvPr id="6" name="Marcador de número de diapositiva 5"/>
+          <p:cNvSpPr>
+            <a:spLocks noGrp="1"/>
+          </p:cNvSpPr>
+          <p:nvPr>
+            <p:ph type="sldNum" sz="quarter" idx="12"/>
+          </p:nvPr>
+        </p:nvSpPr>
+        <p:spPr/>
+        <p:txBody>
+          <a:bodyPr/>
+          <a:lstStyle/>
+          <a:p>
+            <a:fld id="{48F63A3B-78C7-47BE-AE5E-E10140E04643}" type="slidenum">
+              <a:rPr lang="en-US" smtClean="0"/>
+              <a:t>‹Nº›</a:t>
+            </a:fld>
+            <a:endParaRPr lang="en-US" dirty="0"/>
+          </a:p>
+        </p:txBody>
+      </p:sp>
+    </p:spTree>
+    <p:extLst>
+      <p:ext uri="{BB962C8B-B14F-4D97-AF65-F5344CB8AC3E}">
+        <p14:creationId xmlns:p14="http://schemas.microsoft.com/office/powerpoint/2010/main" val="1609981510"/>
+      </p:ext>
+    </p:extLst>
+  </p:cSld>
+  <p:clrMapOvr>
+    <a:masterClrMapping/>
+  </p:clrMapOvr>
+</p:sldLayout>
+</file>
+
+<file path=ppt/slideLayouts/slideLayout20.xml><?xml version="1.0" encoding="utf-8"?>
 <p:sldLayout xmlns:a="http://schemas.openxmlformats.org/drawingml/2006/main" xmlns:r="http://schemas.openxmlformats.org/officeDocument/2006/relationships" xmlns:p="http://schemas.openxmlformats.org/presentationml/2006/main" preserve="1" userDrawn="1">
   <p:cSld name="1_Imagen con título">
     <p:spTree>
@@ -950,177 +1736,7 @@
 </p:sldLayout>
 </file>
 
-<file path=ppt/slideLayouts/slideLayout2.xml><?xml version="1.0" encoding="utf-8"?>
-<p:sldLayout xmlns:a="http://schemas.openxmlformats.org/drawingml/2006/main" xmlns:r="http://schemas.openxmlformats.org/officeDocument/2006/relationships" xmlns:p="http://schemas.openxmlformats.org/presentationml/2006/main" type="obj" preserve="1">
-  <p:cSld name="Título y objetos">
-    <p:spTree>
-      <p:nvGrpSpPr>
-        <p:cNvPr id="1" name=""/>
-        <p:cNvGrpSpPr/>
-        <p:nvPr/>
-      </p:nvGrpSpPr>
-      <p:grpSpPr>
-        <a:xfrm>
-          <a:off x="0" y="0"/>
-          <a:ext cx="0" cy="0"/>
-          <a:chOff x="0" y="0"/>
-          <a:chExt cx="0" cy="0"/>
-        </a:xfrm>
-      </p:grpSpPr>
-      <p:sp>
-        <p:nvSpPr>
-          <p:cNvPr id="2" name="Title 1"/>
-          <p:cNvSpPr>
-            <a:spLocks noGrp="1"/>
-          </p:cNvSpPr>
-          <p:nvPr>
-            <p:ph type="title"/>
-          </p:nvPr>
-        </p:nvSpPr>
-        <p:spPr/>
-        <p:txBody>
-          <a:bodyPr/>
-          <a:lstStyle/>
-          <a:p>
-            <a:r>
-              <a:rPr lang="es-ES" smtClean="0"/>
-              <a:t>Haga clic para modificar el estilo de título del patrón</a:t>
-            </a:r>
-            <a:endParaRPr lang="en-US" dirty="0"/>
-          </a:p>
-        </p:txBody>
-      </p:sp>
-      <p:sp>
-        <p:nvSpPr>
-          <p:cNvPr id="3" name="Content Placeholder 2"/>
-          <p:cNvSpPr>
-            <a:spLocks noGrp="1"/>
-          </p:cNvSpPr>
-          <p:nvPr>
-            <p:ph idx="1"/>
-          </p:nvPr>
-        </p:nvSpPr>
-        <p:spPr/>
-        <p:txBody>
-          <a:bodyPr/>
-          <a:lstStyle/>
-          <a:p>
-            <a:pPr lvl="0"/>
-            <a:r>
-              <a:rPr lang="es-ES" smtClean="0"/>
-              <a:t>Haga clic para modificar el estilo de texto del patrón</a:t>
-            </a:r>
-          </a:p>
-          <a:p>
-            <a:pPr lvl="1"/>
-            <a:r>
-              <a:rPr lang="es-ES" smtClean="0"/>
-              <a:t>Segundo nivel</a:t>
-            </a:r>
-          </a:p>
-          <a:p>
-            <a:pPr lvl="2"/>
-            <a:r>
-              <a:rPr lang="es-ES" smtClean="0"/>
-              <a:t>Tercer nivel</a:t>
-            </a:r>
-          </a:p>
-          <a:p>
-            <a:pPr lvl="3"/>
-            <a:r>
-              <a:rPr lang="es-ES" smtClean="0"/>
-              <a:t>Cuarto nivel</a:t>
-            </a:r>
-          </a:p>
-          <a:p>
-            <a:pPr lvl="4"/>
-            <a:r>
-              <a:rPr lang="es-ES" smtClean="0"/>
-              <a:t>Quinto nivel</a:t>
-            </a:r>
-            <a:endParaRPr lang="en-US" dirty="0"/>
-          </a:p>
-        </p:txBody>
-      </p:sp>
-      <p:sp>
-        <p:nvSpPr>
-          <p:cNvPr id="4" name="Date Placeholder 3"/>
-          <p:cNvSpPr>
-            <a:spLocks noGrp="1"/>
-          </p:cNvSpPr>
-          <p:nvPr>
-            <p:ph type="dt" sz="half" idx="10"/>
-          </p:nvPr>
-        </p:nvSpPr>
-        <p:spPr/>
-        <p:txBody>
-          <a:bodyPr/>
-          <a:lstStyle/>
-          <a:p>
-            <a:fld id="{C764DE79-268F-4C1A-8933-263129D2AF90}" type="datetimeFigureOut">
-              <a:rPr lang="en-US" dirty="0"/>
-              <a:t>11/18/2015</a:t>
-            </a:fld>
-            <a:endParaRPr lang="en-US" dirty="0"/>
-          </a:p>
-        </p:txBody>
-      </p:sp>
-      <p:sp>
-        <p:nvSpPr>
-          <p:cNvPr id="5" name="Footer Placeholder 4"/>
-          <p:cNvSpPr>
-            <a:spLocks noGrp="1"/>
-          </p:cNvSpPr>
-          <p:nvPr>
-            <p:ph type="ftr" sz="quarter" idx="11"/>
-          </p:nvPr>
-        </p:nvSpPr>
-        <p:spPr/>
-        <p:txBody>
-          <a:bodyPr/>
-          <a:lstStyle/>
-          <a:p>
-            <a:endParaRPr lang="en-US" dirty="0"/>
-          </a:p>
-        </p:txBody>
-      </p:sp>
-      <p:sp>
-        <p:nvSpPr>
-          <p:cNvPr id="6" name="Slide Number Placeholder 5"/>
-          <p:cNvSpPr>
-            <a:spLocks noGrp="1"/>
-          </p:cNvSpPr>
-          <p:nvPr>
-            <p:ph type="sldNum" sz="quarter" idx="12"/>
-          </p:nvPr>
-        </p:nvSpPr>
-        <p:spPr/>
-        <p:txBody>
-          <a:bodyPr/>
-          <a:lstStyle/>
-          <a:p>
-            <a:fld id="{48F63A3B-78C7-47BE-AE5E-E10140E04643}" type="slidenum">
-              <a:rPr lang="en-US" dirty="0"/>
-              <a:t>‹Nº›</a:t>
-            </a:fld>
-            <a:endParaRPr lang="en-US" dirty="0"/>
-          </a:p>
-        </p:txBody>
-      </p:sp>
-    </p:spTree>
-    <p:extLst>
-      <p:ext uri="{BB962C8B-B14F-4D97-AF65-F5344CB8AC3E}">
-        <p14:creationId xmlns:p14="http://schemas.microsoft.com/office/powerpoint/2010/main" val="1182290684"/>
-      </p:ext>
-    </p:extLst>
-  </p:cSld>
-  <p:clrMapOvr>
-    <a:masterClrMapping/>
-  </p:clrMapOvr>
-</p:sldLayout>
-</file>
-
-<file path=ppt/slideLayouts/slideLayout20.xml><?xml version="1.0" encoding="utf-8"?>
+<file path=ppt/slideLayouts/slideLayout21.xml><?xml version="1.0" encoding="utf-8"?>
 <p:sldLayout xmlns:a="http://schemas.openxmlformats.org/drawingml/2006/main" xmlns:r="http://schemas.openxmlformats.org/officeDocument/2006/relationships" xmlns:p="http://schemas.openxmlformats.org/presentationml/2006/main" preserve="1" userDrawn="1">
   <p:cSld name="1_Título y texto vertical">
     <p:spTree>
@@ -1157,7 +1773,7 @@
 </p:sldLayout>
 </file>
 
-<file path=ppt/slideLayouts/slideLayout21.xml><?xml version="1.0" encoding="utf-8"?>
+<file path=ppt/slideLayouts/slideLayout22.xml><?xml version="1.0" encoding="utf-8"?>
 <p:sldLayout xmlns:a="http://schemas.openxmlformats.org/drawingml/2006/main" xmlns:r="http://schemas.openxmlformats.org/officeDocument/2006/relationships" xmlns:p="http://schemas.openxmlformats.org/presentationml/2006/main" preserve="1" userDrawn="1">
   <p:cSld name="1_Título vertical y texto">
     <p:spTree>
@@ -1213,7 +1829,7 @@
       </p:grpSpPr>
       <p:sp>
         <p:nvSpPr>
-          <p:cNvPr id="2" name="Title 1"/>
+          <p:cNvPr id="2" name="Título 1"/>
           <p:cNvSpPr>
             <a:spLocks noGrp="1"/>
           </p:cNvSpPr>
@@ -1223,7 +1839,7 @@
         </p:nvSpPr>
         <p:spPr>
           <a:xfrm>
-            <a:off x="675879" y="1709740"/>
+            <a:off x="675878" y="1709739"/>
             <a:ext cx="8543925" cy="2852737"/>
           </a:xfrm>
         </p:spPr>
@@ -1231,7 +1847,7 @@
           <a:bodyPr anchor="b"/>
           <a:lstStyle>
             <a:lvl1pPr>
-              <a:defRPr sz="6000"/>
+              <a:defRPr sz="4875"/>
             </a:lvl1pPr>
           </a:lstStyle>
           <a:p>
@@ -1239,13 +1855,13 @@
               <a:rPr lang="es-ES" smtClean="0"/>
               <a:t>Haga clic para modificar el estilo de título del patrón</a:t>
             </a:r>
-            <a:endParaRPr lang="en-US" dirty="0"/>
-          </a:p>
-        </p:txBody>
-      </p:sp>
-      <p:sp>
-        <p:nvSpPr>
-          <p:cNvPr id="3" name="Text Placeholder 2"/>
+            <a:endParaRPr lang="es-CO"/>
+          </a:p>
+        </p:txBody>
+      </p:sp>
+      <p:sp>
+        <p:nvSpPr>
+          <p:cNvPr id="3" name="Marcador de texto 2"/>
           <p:cNvSpPr>
             <a:spLocks noGrp="1"/>
           </p:cNvSpPr>
@@ -1255,7 +1871,7 @@
         </p:nvSpPr>
         <p:spPr>
           <a:xfrm>
-            <a:off x="675879" y="4589465"/>
+            <a:off x="675878" y="4589464"/>
             <a:ext cx="8543925" cy="1500187"/>
           </a:xfrm>
         </p:spPr>
@@ -1264,15 +1880,17 @@
           <a:lstStyle>
             <a:lvl1pPr marL="0" indent="0">
               <a:buNone/>
-              <a:defRPr sz="2400">
+              <a:defRPr sz="1950">
                 <a:solidFill>
-                  <a:schemeClr val="tx1"/>
+                  <a:schemeClr val="tx1">
+                    <a:tint val="75000"/>
+                  </a:schemeClr>
                 </a:solidFill>
               </a:defRPr>
             </a:lvl1pPr>
-            <a:lvl2pPr marL="457200" indent="0">
+            <a:lvl2pPr marL="371475" indent="0">
               <a:buNone/>
-              <a:defRPr sz="2000">
+              <a:defRPr sz="1625">
                 <a:solidFill>
                   <a:schemeClr val="tx1">
                     <a:tint val="75000"/>
@@ -1280,9 +1898,9 @@
                 </a:solidFill>
               </a:defRPr>
             </a:lvl2pPr>
-            <a:lvl3pPr marL="914400" indent="0">
+            <a:lvl3pPr marL="742950" indent="0">
               <a:buNone/>
-              <a:defRPr sz="1800">
+              <a:defRPr sz="1463">
                 <a:solidFill>
                   <a:schemeClr val="tx1">
                     <a:tint val="75000"/>
@@ -1290,9 +1908,9 @@
                 </a:solidFill>
               </a:defRPr>
             </a:lvl3pPr>
-            <a:lvl4pPr marL="1371600" indent="0">
+            <a:lvl4pPr marL="1114425" indent="0">
               <a:buNone/>
-              <a:defRPr sz="1600">
+              <a:defRPr sz="1300">
                 <a:solidFill>
                   <a:schemeClr val="tx1">
                     <a:tint val="75000"/>
@@ -1300,9 +1918,9 @@
                 </a:solidFill>
               </a:defRPr>
             </a:lvl4pPr>
-            <a:lvl5pPr marL="1828800" indent="0">
+            <a:lvl5pPr marL="1485900" indent="0">
               <a:buNone/>
-              <a:defRPr sz="1600">
+              <a:defRPr sz="1300">
                 <a:solidFill>
                   <a:schemeClr val="tx1">
                     <a:tint val="75000"/>
@@ -1310,9 +1928,9 @@
                 </a:solidFill>
               </a:defRPr>
             </a:lvl5pPr>
-            <a:lvl6pPr marL="2286000" indent="0">
+            <a:lvl6pPr marL="1857375" indent="0">
               <a:buNone/>
-              <a:defRPr sz="1600">
+              <a:defRPr sz="1300">
                 <a:solidFill>
                   <a:schemeClr val="tx1">
                     <a:tint val="75000"/>
@@ -1320,9 +1938,9 @@
                 </a:solidFill>
               </a:defRPr>
             </a:lvl6pPr>
-            <a:lvl7pPr marL="2743200" indent="0">
+            <a:lvl7pPr marL="2228850" indent="0">
               <a:buNone/>
-              <a:defRPr sz="1600">
+              <a:defRPr sz="1300">
                 <a:solidFill>
                   <a:schemeClr val="tx1">
                     <a:tint val="75000"/>
@@ -1330,9 +1948,9 @@
                 </a:solidFill>
               </a:defRPr>
             </a:lvl7pPr>
-            <a:lvl8pPr marL="3200400" indent="0">
+            <a:lvl8pPr marL="2600325" indent="0">
               <a:buNone/>
-              <a:defRPr sz="1600">
+              <a:defRPr sz="1300">
                 <a:solidFill>
                   <a:schemeClr val="tx1">
                     <a:tint val="75000"/>
@@ -1340,9 +1958,9 @@
                 </a:solidFill>
               </a:defRPr>
             </a:lvl8pPr>
-            <a:lvl9pPr marL="3657600" indent="0">
+            <a:lvl9pPr marL="2971800" indent="0">
               <a:buNone/>
-              <a:defRPr sz="1600">
+              <a:defRPr sz="1300">
                 <a:solidFill>
                   <a:schemeClr val="tx1">
                     <a:tint val="75000"/>
@@ -1362,7 +1980,7 @@
       </p:sp>
       <p:sp>
         <p:nvSpPr>
-          <p:cNvPr id="4" name="Date Placeholder 3"/>
+          <p:cNvPr id="4" name="Marcador de fecha 3"/>
           <p:cNvSpPr>
             <a:spLocks noGrp="1"/>
           </p:cNvSpPr>
@@ -1376,8 +1994,8 @@
           <a:lstStyle/>
           <a:p>
             <a:fld id="{C764DE79-268F-4C1A-8933-263129D2AF90}" type="datetimeFigureOut">
-              <a:rPr lang="en-US" dirty="0"/>
-              <a:t>11/18/2015</a:t>
+              <a:rPr lang="en-US" smtClean="0"/>
+              <a:t>11/20/2015</a:t>
             </a:fld>
             <a:endParaRPr lang="en-US" dirty="0"/>
           </a:p>
@@ -1385,7 +2003,7 @@
       </p:sp>
       <p:sp>
         <p:nvSpPr>
-          <p:cNvPr id="5" name="Footer Placeholder 4"/>
+          <p:cNvPr id="5" name="Marcador de pie de página 4"/>
           <p:cNvSpPr>
             <a:spLocks noGrp="1"/>
           </p:cNvSpPr>
@@ -1404,7 +2022,7 @@
       </p:sp>
       <p:sp>
         <p:nvSpPr>
-          <p:cNvPr id="6" name="Slide Number Placeholder 5"/>
+          <p:cNvPr id="6" name="Marcador de número de diapositiva 5"/>
           <p:cNvSpPr>
             <a:spLocks noGrp="1"/>
           </p:cNvSpPr>
@@ -1418,7 +2036,7 @@
           <a:lstStyle/>
           <a:p>
             <a:fld id="{48F63A3B-78C7-47BE-AE5E-E10140E04643}" type="slidenum">
-              <a:rPr lang="en-US" dirty="0"/>
+              <a:rPr lang="en-US" smtClean="0"/>
               <a:t>‹Nº›</a:t>
             </a:fld>
             <a:endParaRPr lang="en-US" dirty="0"/>
@@ -1428,7 +2046,7 @@
     </p:spTree>
     <p:extLst>
       <p:ext uri="{BB962C8B-B14F-4D97-AF65-F5344CB8AC3E}">
-        <p14:creationId xmlns:p14="http://schemas.microsoft.com/office/powerpoint/2010/main" val="217277311"/>
+        <p14:creationId xmlns:p14="http://schemas.microsoft.com/office/powerpoint/2010/main" val="2752626047"/>
       </p:ext>
     </p:extLst>
   </p:cSld>
@@ -1457,7 +2075,7 @@
       </p:grpSpPr>
       <p:sp>
         <p:nvSpPr>
-          <p:cNvPr id="2" name="Title 1"/>
+          <p:cNvPr id="2" name="Título 1"/>
           <p:cNvSpPr>
             <a:spLocks noGrp="1"/>
           </p:cNvSpPr>
@@ -1474,13 +2092,13 @@
               <a:rPr lang="es-ES" smtClean="0"/>
               <a:t>Haga clic para modificar el estilo de título del patrón</a:t>
             </a:r>
-            <a:endParaRPr lang="en-US" dirty="0"/>
-          </a:p>
-        </p:txBody>
-      </p:sp>
-      <p:sp>
-        <p:nvSpPr>
-          <p:cNvPr id="3" name="Content Placeholder 2"/>
+            <a:endParaRPr lang="es-CO"/>
+          </a:p>
+        </p:txBody>
+      </p:sp>
+      <p:sp>
+        <p:nvSpPr>
+          <p:cNvPr id="3" name="Marcador de contenido 2"/>
           <p:cNvSpPr>
             <a:spLocks noGrp="1"/>
           </p:cNvSpPr>
@@ -1531,13 +2149,13 @@
               <a:rPr lang="es-ES" smtClean="0"/>
               <a:t>Quinto nivel</a:t>
             </a:r>
-            <a:endParaRPr lang="en-US" dirty="0"/>
-          </a:p>
-        </p:txBody>
-      </p:sp>
-      <p:sp>
-        <p:nvSpPr>
-          <p:cNvPr id="4" name="Content Placeholder 3"/>
+            <a:endParaRPr lang="es-CO"/>
+          </a:p>
+        </p:txBody>
+      </p:sp>
+      <p:sp>
+        <p:nvSpPr>
+          <p:cNvPr id="4" name="Marcador de contenido 3"/>
           <p:cNvSpPr>
             <a:spLocks noGrp="1"/>
           </p:cNvSpPr>
@@ -1588,13 +2206,13 @@
               <a:rPr lang="es-ES" smtClean="0"/>
               <a:t>Quinto nivel</a:t>
             </a:r>
-            <a:endParaRPr lang="en-US" dirty="0"/>
-          </a:p>
-        </p:txBody>
-      </p:sp>
-      <p:sp>
-        <p:nvSpPr>
-          <p:cNvPr id="5" name="Date Placeholder 4"/>
+            <a:endParaRPr lang="es-CO"/>
+          </a:p>
+        </p:txBody>
+      </p:sp>
+      <p:sp>
+        <p:nvSpPr>
+          <p:cNvPr id="5" name="Marcador de fecha 4"/>
           <p:cNvSpPr>
             <a:spLocks noGrp="1"/>
           </p:cNvSpPr>
@@ -1608,8 +2226,8 @@
           <a:lstStyle/>
           <a:p>
             <a:fld id="{C764DE79-268F-4C1A-8933-263129D2AF90}" type="datetimeFigureOut">
-              <a:rPr lang="en-US" dirty="0"/>
-              <a:t>11/18/2015</a:t>
+              <a:rPr lang="en-US" smtClean="0"/>
+              <a:t>11/20/2015</a:t>
             </a:fld>
             <a:endParaRPr lang="en-US" dirty="0"/>
           </a:p>
@@ -1617,7 +2235,7 @@
       </p:sp>
       <p:sp>
         <p:nvSpPr>
-          <p:cNvPr id="6" name="Footer Placeholder 5"/>
+          <p:cNvPr id="6" name="Marcador de pie de página 5"/>
           <p:cNvSpPr>
             <a:spLocks noGrp="1"/>
           </p:cNvSpPr>
@@ -1636,7 +2254,7 @@
       </p:sp>
       <p:sp>
         <p:nvSpPr>
-          <p:cNvPr id="7" name="Slide Number Placeholder 6"/>
+          <p:cNvPr id="7" name="Marcador de número de diapositiva 6"/>
           <p:cNvSpPr>
             <a:spLocks noGrp="1"/>
           </p:cNvSpPr>
@@ -1650,7 +2268,7 @@
           <a:lstStyle/>
           <a:p>
             <a:fld id="{48F63A3B-78C7-47BE-AE5E-E10140E04643}" type="slidenum">
-              <a:rPr lang="en-US" dirty="0"/>
+              <a:rPr lang="en-US" smtClean="0"/>
               <a:t>‹Nº›</a:t>
             </a:fld>
             <a:endParaRPr lang="en-US" dirty="0"/>
@@ -1660,7 +2278,7 @@
     </p:spTree>
     <p:extLst>
       <p:ext uri="{BB962C8B-B14F-4D97-AF65-F5344CB8AC3E}">
-        <p14:creationId xmlns:p14="http://schemas.microsoft.com/office/powerpoint/2010/main" val="3099723796"/>
+        <p14:creationId xmlns:p14="http://schemas.microsoft.com/office/powerpoint/2010/main" val="4093727387"/>
       </p:ext>
     </p:extLst>
   </p:cSld>
@@ -1689,7 +2307,7 @@
       </p:grpSpPr>
       <p:sp>
         <p:nvSpPr>
-          <p:cNvPr id="2" name="Title 1"/>
+          <p:cNvPr id="2" name="Título 1"/>
           <p:cNvSpPr>
             <a:spLocks noGrp="1"/>
           </p:cNvSpPr>
@@ -1699,7 +2317,7 @@
         </p:nvSpPr>
         <p:spPr>
           <a:xfrm>
-            <a:off x="682328" y="365127"/>
+            <a:off x="682328" y="365126"/>
             <a:ext cx="8543925" cy="1325563"/>
           </a:xfrm>
         </p:spPr>
@@ -1711,13 +2329,13 @@
               <a:rPr lang="es-ES" smtClean="0"/>
               <a:t>Haga clic para modificar el estilo de título del patrón</a:t>
             </a:r>
-            <a:endParaRPr lang="en-US" dirty="0"/>
-          </a:p>
-        </p:txBody>
-      </p:sp>
-      <p:sp>
-        <p:nvSpPr>
-          <p:cNvPr id="3" name="Text Placeholder 2"/>
+            <a:endParaRPr lang="es-CO"/>
+          </a:p>
+        </p:txBody>
+      </p:sp>
+      <p:sp>
+        <p:nvSpPr>
+          <p:cNvPr id="3" name="Marcador de texto 2"/>
           <p:cNvSpPr>
             <a:spLocks noGrp="1"/>
           </p:cNvSpPr>
@@ -1727,7 +2345,7 @@
         </p:nvSpPr>
         <p:spPr>
           <a:xfrm>
-            <a:off x="682329" y="1681163"/>
+            <a:off x="682328" y="1681163"/>
             <a:ext cx="4190702" cy="823912"/>
           </a:xfrm>
         </p:spPr>
@@ -1736,39 +2354,39 @@
           <a:lstStyle>
             <a:lvl1pPr marL="0" indent="0">
               <a:buNone/>
-              <a:defRPr sz="2400" b="1"/>
+              <a:defRPr sz="1950" b="1"/>
             </a:lvl1pPr>
-            <a:lvl2pPr marL="457200" indent="0">
+            <a:lvl2pPr marL="371475" indent="0">
               <a:buNone/>
-              <a:defRPr sz="2000" b="1"/>
+              <a:defRPr sz="1625" b="1"/>
             </a:lvl2pPr>
-            <a:lvl3pPr marL="914400" indent="0">
+            <a:lvl3pPr marL="742950" indent="0">
               <a:buNone/>
-              <a:defRPr sz="1800" b="1"/>
+              <a:defRPr sz="1463" b="1"/>
             </a:lvl3pPr>
-            <a:lvl4pPr marL="1371600" indent="0">
+            <a:lvl4pPr marL="1114425" indent="0">
               <a:buNone/>
-              <a:defRPr sz="1600" b="1"/>
+              <a:defRPr sz="1300" b="1"/>
             </a:lvl4pPr>
-            <a:lvl5pPr marL="1828800" indent="0">
+            <a:lvl5pPr marL="1485900" indent="0">
               <a:buNone/>
-              <a:defRPr sz="1600" b="1"/>
+              <a:defRPr sz="1300" b="1"/>
             </a:lvl5pPr>
-            <a:lvl6pPr marL="2286000" indent="0">
+            <a:lvl6pPr marL="1857375" indent="0">
               <a:buNone/>
-              <a:defRPr sz="1600" b="1"/>
+              <a:defRPr sz="1300" b="1"/>
             </a:lvl6pPr>
-            <a:lvl7pPr marL="2743200" indent="0">
+            <a:lvl7pPr marL="2228850" indent="0">
               <a:buNone/>
-              <a:defRPr sz="1600" b="1"/>
+              <a:defRPr sz="1300" b="1"/>
             </a:lvl7pPr>
-            <a:lvl8pPr marL="3200400" indent="0">
+            <a:lvl8pPr marL="2600325" indent="0">
               <a:buNone/>
-              <a:defRPr sz="1600" b="1"/>
+              <a:defRPr sz="1300" b="1"/>
             </a:lvl8pPr>
-            <a:lvl9pPr marL="3657600" indent="0">
+            <a:lvl9pPr marL="2971800" indent="0">
               <a:buNone/>
-              <a:defRPr sz="1600" b="1"/>
+              <a:defRPr sz="1300" b="1"/>
             </a:lvl9pPr>
           </a:lstStyle>
           <a:p>
@@ -1782,7 +2400,7 @@
       </p:sp>
       <p:sp>
         <p:nvSpPr>
-          <p:cNvPr id="4" name="Content Placeholder 3"/>
+          <p:cNvPr id="4" name="Marcador de contenido 3"/>
           <p:cNvSpPr>
             <a:spLocks noGrp="1"/>
           </p:cNvSpPr>
@@ -1792,7 +2410,7 @@
         </p:nvSpPr>
         <p:spPr>
           <a:xfrm>
-            <a:off x="682329" y="2505075"/>
+            <a:off x="682328" y="2505075"/>
             <a:ext cx="4190702" cy="3684588"/>
           </a:xfrm>
         </p:spPr>
@@ -1833,13 +2451,13 @@
               <a:rPr lang="es-ES" smtClean="0"/>
               <a:t>Quinto nivel</a:t>
             </a:r>
-            <a:endParaRPr lang="en-US" dirty="0"/>
-          </a:p>
-        </p:txBody>
-      </p:sp>
-      <p:sp>
-        <p:nvSpPr>
-          <p:cNvPr id="5" name="Text Placeholder 4"/>
+            <a:endParaRPr lang="es-CO"/>
+          </a:p>
+        </p:txBody>
+      </p:sp>
+      <p:sp>
+        <p:nvSpPr>
+          <p:cNvPr id="5" name="Marcador de texto 4"/>
           <p:cNvSpPr>
             <a:spLocks noGrp="1"/>
           </p:cNvSpPr>
@@ -1858,39 +2476,39 @@
           <a:lstStyle>
             <a:lvl1pPr marL="0" indent="0">
               <a:buNone/>
-              <a:defRPr sz="2400" b="1"/>
+              <a:defRPr sz="1950" b="1"/>
             </a:lvl1pPr>
-            <a:lvl2pPr marL="457200" indent="0">
+            <a:lvl2pPr marL="371475" indent="0">
               <a:buNone/>
-              <a:defRPr sz="2000" b="1"/>
+              <a:defRPr sz="1625" b="1"/>
             </a:lvl2pPr>
-            <a:lvl3pPr marL="914400" indent="0">
+            <a:lvl3pPr marL="742950" indent="0">
               <a:buNone/>
-              <a:defRPr sz="1800" b="1"/>
+              <a:defRPr sz="1463" b="1"/>
             </a:lvl3pPr>
-            <a:lvl4pPr marL="1371600" indent="0">
+            <a:lvl4pPr marL="1114425" indent="0">
               <a:buNone/>
-              <a:defRPr sz="1600" b="1"/>
+              <a:defRPr sz="1300" b="1"/>
             </a:lvl4pPr>
-            <a:lvl5pPr marL="1828800" indent="0">
+            <a:lvl5pPr marL="1485900" indent="0">
               <a:buNone/>
-              <a:defRPr sz="1600" b="1"/>
+              <a:defRPr sz="1300" b="1"/>
             </a:lvl5pPr>
-            <a:lvl6pPr marL="2286000" indent="0">
+            <a:lvl6pPr marL="1857375" indent="0">
               <a:buNone/>
-              <a:defRPr sz="1600" b="1"/>
+              <a:defRPr sz="1300" b="1"/>
             </a:lvl6pPr>
-            <a:lvl7pPr marL="2743200" indent="0">
+            <a:lvl7pPr marL="2228850" indent="0">
               <a:buNone/>
-              <a:defRPr sz="1600" b="1"/>
+              <a:defRPr sz="1300" b="1"/>
             </a:lvl7pPr>
-            <a:lvl8pPr marL="3200400" indent="0">
+            <a:lvl8pPr marL="2600325" indent="0">
               <a:buNone/>
-              <a:defRPr sz="1600" b="1"/>
+              <a:defRPr sz="1300" b="1"/>
             </a:lvl8pPr>
-            <a:lvl9pPr marL="3657600" indent="0">
+            <a:lvl9pPr marL="2971800" indent="0">
               <a:buNone/>
-              <a:defRPr sz="1600" b="1"/>
+              <a:defRPr sz="1300" b="1"/>
             </a:lvl9pPr>
           </a:lstStyle>
           <a:p>
@@ -1904,7 +2522,7 @@
       </p:sp>
       <p:sp>
         <p:nvSpPr>
-          <p:cNvPr id="6" name="Content Placeholder 5"/>
+          <p:cNvPr id="6" name="Marcador de contenido 5"/>
           <p:cNvSpPr>
             <a:spLocks noGrp="1"/>
           </p:cNvSpPr>
@@ -1955,13 +2573,13 @@
               <a:rPr lang="es-ES" smtClean="0"/>
               <a:t>Quinto nivel</a:t>
             </a:r>
-            <a:endParaRPr lang="en-US" dirty="0"/>
-          </a:p>
-        </p:txBody>
-      </p:sp>
-      <p:sp>
-        <p:nvSpPr>
-          <p:cNvPr id="7" name="Date Placeholder 6"/>
+            <a:endParaRPr lang="es-CO"/>
+          </a:p>
+        </p:txBody>
+      </p:sp>
+      <p:sp>
+        <p:nvSpPr>
+          <p:cNvPr id="7" name="Marcador de fecha 6"/>
           <p:cNvSpPr>
             <a:spLocks noGrp="1"/>
           </p:cNvSpPr>
@@ -1975,8 +2593,8 @@
           <a:lstStyle/>
           <a:p>
             <a:fld id="{C764DE79-268F-4C1A-8933-263129D2AF90}" type="datetimeFigureOut">
-              <a:rPr lang="en-US" dirty="0"/>
-              <a:t>11/18/2015</a:t>
+              <a:rPr lang="en-US" smtClean="0"/>
+              <a:t>11/20/2015</a:t>
             </a:fld>
             <a:endParaRPr lang="en-US" dirty="0"/>
           </a:p>
@@ -1984,7 +2602,7 @@
       </p:sp>
       <p:sp>
         <p:nvSpPr>
-          <p:cNvPr id="8" name="Footer Placeholder 7"/>
+          <p:cNvPr id="8" name="Marcador de pie de página 7"/>
           <p:cNvSpPr>
             <a:spLocks noGrp="1"/>
           </p:cNvSpPr>
@@ -2003,7 +2621,7 @@
       </p:sp>
       <p:sp>
         <p:nvSpPr>
-          <p:cNvPr id="9" name="Slide Number Placeholder 8"/>
+          <p:cNvPr id="9" name="Marcador de número de diapositiva 8"/>
           <p:cNvSpPr>
             <a:spLocks noGrp="1"/>
           </p:cNvSpPr>
@@ -2017,7 +2635,7 @@
           <a:lstStyle/>
           <a:p>
             <a:fld id="{48F63A3B-78C7-47BE-AE5E-E10140E04643}" type="slidenum">
-              <a:rPr lang="en-US" dirty="0"/>
+              <a:rPr lang="en-US" smtClean="0"/>
               <a:t>‹Nº›</a:t>
             </a:fld>
             <a:endParaRPr lang="en-US" dirty="0"/>
@@ -2027,7 +2645,7 @@
     </p:spTree>
     <p:extLst>
       <p:ext uri="{BB962C8B-B14F-4D97-AF65-F5344CB8AC3E}">
-        <p14:creationId xmlns:p14="http://schemas.microsoft.com/office/powerpoint/2010/main" val="3504458714"/>
+        <p14:creationId xmlns:p14="http://schemas.microsoft.com/office/powerpoint/2010/main" val="2317993948"/>
       </p:ext>
     </p:extLst>
   </p:cSld>
@@ -2056,7 +2674,7 @@
       </p:grpSpPr>
       <p:sp>
         <p:nvSpPr>
-          <p:cNvPr id="2" name="Title 1"/>
+          <p:cNvPr id="2" name="Título 1"/>
           <p:cNvSpPr>
             <a:spLocks noGrp="1"/>
           </p:cNvSpPr>
@@ -2073,13 +2691,13 @@
               <a:rPr lang="es-ES" smtClean="0"/>
               <a:t>Haga clic para modificar el estilo de título del patrón</a:t>
             </a:r>
-            <a:endParaRPr lang="en-US" dirty="0"/>
-          </a:p>
-        </p:txBody>
-      </p:sp>
-      <p:sp>
-        <p:nvSpPr>
-          <p:cNvPr id="3" name="Date Placeholder 2"/>
+            <a:endParaRPr lang="es-CO"/>
+          </a:p>
+        </p:txBody>
+      </p:sp>
+      <p:sp>
+        <p:nvSpPr>
+          <p:cNvPr id="3" name="Marcador de fecha 2"/>
           <p:cNvSpPr>
             <a:spLocks noGrp="1"/>
           </p:cNvSpPr>
@@ -2093,8 +2711,8 @@
           <a:lstStyle/>
           <a:p>
             <a:fld id="{C764DE79-268F-4C1A-8933-263129D2AF90}" type="datetimeFigureOut">
-              <a:rPr lang="en-US" dirty="0"/>
-              <a:t>11/18/2015</a:t>
+              <a:rPr lang="en-US" smtClean="0"/>
+              <a:t>11/20/2015</a:t>
             </a:fld>
             <a:endParaRPr lang="en-US" dirty="0"/>
           </a:p>
@@ -2102,7 +2720,7 @@
       </p:sp>
       <p:sp>
         <p:nvSpPr>
-          <p:cNvPr id="4" name="Footer Placeholder 3"/>
+          <p:cNvPr id="4" name="Marcador de pie de página 3"/>
           <p:cNvSpPr>
             <a:spLocks noGrp="1"/>
           </p:cNvSpPr>
@@ -2121,7 +2739,7 @@
       </p:sp>
       <p:sp>
         <p:nvSpPr>
-          <p:cNvPr id="5" name="Slide Number Placeholder 4"/>
+          <p:cNvPr id="5" name="Marcador de número de diapositiva 4"/>
           <p:cNvSpPr>
             <a:spLocks noGrp="1"/>
           </p:cNvSpPr>
@@ -2135,7 +2753,7 @@
           <a:lstStyle/>
           <a:p>
             <a:fld id="{48F63A3B-78C7-47BE-AE5E-E10140E04643}" type="slidenum">
-              <a:rPr lang="en-US" dirty="0"/>
+              <a:rPr lang="en-US" smtClean="0"/>
               <a:t>‹Nº›</a:t>
             </a:fld>
             <a:endParaRPr lang="en-US" dirty="0"/>
@@ -2145,7 +2763,7 @@
     </p:spTree>
     <p:extLst>
       <p:ext uri="{BB962C8B-B14F-4D97-AF65-F5344CB8AC3E}">
-        <p14:creationId xmlns:p14="http://schemas.microsoft.com/office/powerpoint/2010/main" val="1325662233"/>
+        <p14:creationId xmlns:p14="http://schemas.microsoft.com/office/powerpoint/2010/main" val="82432857"/>
       </p:ext>
     </p:extLst>
   </p:cSld>
@@ -2174,7 +2792,7 @@
       </p:grpSpPr>
       <p:sp>
         <p:nvSpPr>
-          <p:cNvPr id="2" name="Date Placeholder 1"/>
+          <p:cNvPr id="2" name="Marcador de fecha 1"/>
           <p:cNvSpPr>
             <a:spLocks noGrp="1"/>
           </p:cNvSpPr>
@@ -2189,7 +2807,7 @@
           <a:p>
             <a:fld id="{5001C876-01F7-4317-94B9-1AE222133113}" type="datetimeFigureOut">
               <a:rPr lang="es-ES" smtClean="0"/>
-              <a:t>18/11/2015</a:t>
+              <a:t>20/11/2015</a:t>
             </a:fld>
             <a:endParaRPr lang="es-ES"/>
           </a:p>
@@ -2197,7 +2815,7 @@
       </p:sp>
       <p:sp>
         <p:nvSpPr>
-          <p:cNvPr id="3" name="Footer Placeholder 2"/>
+          <p:cNvPr id="3" name="Marcador de pie de página 2"/>
           <p:cNvSpPr>
             <a:spLocks noGrp="1"/>
           </p:cNvSpPr>
@@ -2216,7 +2834,7 @@
       </p:sp>
       <p:sp>
         <p:nvSpPr>
-          <p:cNvPr id="4" name="Slide Number Placeholder 3"/>
+          <p:cNvPr id="4" name="Marcador de número de diapositiva 3"/>
           <p:cNvSpPr>
             <a:spLocks noGrp="1"/>
           </p:cNvSpPr>
@@ -2240,7 +2858,7 @@
     </p:spTree>
     <p:extLst>
       <p:ext uri="{BB962C8B-B14F-4D97-AF65-F5344CB8AC3E}">
-        <p14:creationId xmlns:p14="http://schemas.microsoft.com/office/powerpoint/2010/main" val="536825398"/>
+        <p14:creationId xmlns:p14="http://schemas.microsoft.com/office/powerpoint/2010/main" val="1739001372"/>
       </p:ext>
     </p:extLst>
   </p:cSld>
@@ -2269,7 +2887,7 @@
       </p:grpSpPr>
       <p:sp>
         <p:nvSpPr>
-          <p:cNvPr id="2" name="Title 1"/>
+          <p:cNvPr id="2" name="Título 1"/>
           <p:cNvSpPr>
             <a:spLocks noGrp="1"/>
           </p:cNvSpPr>
@@ -2287,7 +2905,7 @@
           <a:bodyPr anchor="b"/>
           <a:lstStyle>
             <a:lvl1pPr>
-              <a:defRPr sz="3200"/>
+              <a:defRPr sz="2600"/>
             </a:lvl1pPr>
           </a:lstStyle>
           <a:p>
@@ -2295,13 +2913,13 @@
               <a:rPr lang="es-ES" smtClean="0"/>
               <a:t>Haga clic para modificar el estilo de título del patrón</a:t>
             </a:r>
-            <a:endParaRPr lang="en-US" dirty="0"/>
-          </a:p>
-        </p:txBody>
-      </p:sp>
-      <p:sp>
-        <p:nvSpPr>
-          <p:cNvPr id="3" name="Content Placeholder 2"/>
+            <a:endParaRPr lang="es-CO"/>
+          </a:p>
+        </p:txBody>
+      </p:sp>
+      <p:sp>
+        <p:nvSpPr>
+          <p:cNvPr id="3" name="Marcador de contenido 2"/>
           <p:cNvSpPr>
             <a:spLocks noGrp="1"/>
           </p:cNvSpPr>
@@ -2311,7 +2929,7 @@
         </p:nvSpPr>
         <p:spPr>
           <a:xfrm>
-            <a:off x="4211340" y="987427"/>
+            <a:off x="4211340" y="987426"/>
             <a:ext cx="5014913" cy="4873625"/>
           </a:xfrm>
         </p:spPr>
@@ -2319,31 +2937,31 @@
           <a:bodyPr/>
           <a:lstStyle>
             <a:lvl1pPr>
-              <a:defRPr sz="3200"/>
+              <a:defRPr sz="2600"/>
             </a:lvl1pPr>
             <a:lvl2pPr>
-              <a:defRPr sz="2800"/>
+              <a:defRPr sz="2275"/>
             </a:lvl2pPr>
             <a:lvl3pPr>
-              <a:defRPr sz="2400"/>
+              <a:defRPr sz="1950"/>
             </a:lvl3pPr>
             <a:lvl4pPr>
-              <a:defRPr sz="2000"/>
+              <a:defRPr sz="1625"/>
             </a:lvl4pPr>
             <a:lvl5pPr>
-              <a:defRPr sz="2000"/>
+              <a:defRPr sz="1625"/>
             </a:lvl5pPr>
             <a:lvl6pPr>
-              <a:defRPr sz="2000"/>
+              <a:defRPr sz="1625"/>
             </a:lvl6pPr>
             <a:lvl7pPr>
-              <a:defRPr sz="2000"/>
+              <a:defRPr sz="1625"/>
             </a:lvl7pPr>
             <a:lvl8pPr>
-              <a:defRPr sz="2000"/>
+              <a:defRPr sz="1625"/>
             </a:lvl8pPr>
             <a:lvl9pPr>
-              <a:defRPr sz="2000"/>
+              <a:defRPr sz="1625"/>
             </a:lvl9pPr>
           </a:lstStyle>
           <a:p>
@@ -2380,13 +2998,13 @@
               <a:rPr lang="es-ES" smtClean="0"/>
               <a:t>Quinto nivel</a:t>
             </a:r>
-            <a:endParaRPr lang="en-US" dirty="0"/>
-          </a:p>
-        </p:txBody>
-      </p:sp>
-      <p:sp>
-        <p:nvSpPr>
-          <p:cNvPr id="4" name="Text Placeholder 3"/>
+            <a:endParaRPr lang="es-CO"/>
+          </a:p>
+        </p:txBody>
+      </p:sp>
+      <p:sp>
+        <p:nvSpPr>
+          <p:cNvPr id="4" name="Marcador de texto 3"/>
           <p:cNvSpPr>
             <a:spLocks noGrp="1"/>
           </p:cNvSpPr>
@@ -2405,39 +3023,39 @@
           <a:lstStyle>
             <a:lvl1pPr marL="0" indent="0">
               <a:buNone/>
-              <a:defRPr sz="1600"/>
+              <a:defRPr sz="1300"/>
             </a:lvl1pPr>
-            <a:lvl2pPr marL="457200" indent="0">
+            <a:lvl2pPr marL="371475" indent="0">
               <a:buNone/>
-              <a:defRPr sz="1400"/>
+              <a:defRPr sz="1138"/>
             </a:lvl2pPr>
-            <a:lvl3pPr marL="914400" indent="0">
+            <a:lvl3pPr marL="742950" indent="0">
               <a:buNone/>
-              <a:defRPr sz="1200"/>
+              <a:defRPr sz="975"/>
             </a:lvl3pPr>
-            <a:lvl4pPr marL="1371600" indent="0">
+            <a:lvl4pPr marL="1114425" indent="0">
               <a:buNone/>
-              <a:defRPr sz="1000"/>
+              <a:defRPr sz="813"/>
             </a:lvl4pPr>
-            <a:lvl5pPr marL="1828800" indent="0">
+            <a:lvl5pPr marL="1485900" indent="0">
               <a:buNone/>
-              <a:defRPr sz="1000"/>
+              <a:defRPr sz="813"/>
             </a:lvl5pPr>
-            <a:lvl6pPr marL="2286000" indent="0">
+            <a:lvl6pPr marL="1857375" indent="0">
               <a:buNone/>
-              <a:defRPr sz="1000"/>
+              <a:defRPr sz="813"/>
             </a:lvl6pPr>
-            <a:lvl7pPr marL="2743200" indent="0">
+            <a:lvl7pPr marL="2228850" indent="0">
               <a:buNone/>
-              <a:defRPr sz="1000"/>
+              <a:defRPr sz="813"/>
             </a:lvl7pPr>
-            <a:lvl8pPr marL="3200400" indent="0">
+            <a:lvl8pPr marL="2600325" indent="0">
               <a:buNone/>
-              <a:defRPr sz="1000"/>
+              <a:defRPr sz="813"/>
             </a:lvl8pPr>
-            <a:lvl9pPr marL="3657600" indent="0">
+            <a:lvl9pPr marL="2971800" indent="0">
               <a:buNone/>
-              <a:defRPr sz="1000"/>
+              <a:defRPr sz="813"/>
             </a:lvl9pPr>
           </a:lstStyle>
           <a:p>
@@ -2451,7 +3069,7 @@
       </p:sp>
       <p:sp>
         <p:nvSpPr>
-          <p:cNvPr id="5" name="Date Placeholder 4"/>
+          <p:cNvPr id="5" name="Marcador de fecha 4"/>
           <p:cNvSpPr>
             <a:spLocks noGrp="1"/>
           </p:cNvSpPr>
@@ -2465,8 +3083,8 @@
           <a:lstStyle/>
           <a:p>
             <a:fld id="{C764DE79-268F-4C1A-8933-263129D2AF90}" type="datetimeFigureOut">
-              <a:rPr lang="en-US" dirty="0"/>
-              <a:t>11/18/2015</a:t>
+              <a:rPr lang="en-US" smtClean="0"/>
+              <a:t>11/20/2015</a:t>
             </a:fld>
             <a:endParaRPr lang="en-US" dirty="0"/>
           </a:p>
@@ -2474,7 +3092,7 @@
       </p:sp>
       <p:sp>
         <p:nvSpPr>
-          <p:cNvPr id="6" name="Footer Placeholder 5"/>
+          <p:cNvPr id="6" name="Marcador de pie de página 5"/>
           <p:cNvSpPr>
             <a:spLocks noGrp="1"/>
           </p:cNvSpPr>
@@ -2493,7 +3111,7 @@
       </p:sp>
       <p:sp>
         <p:nvSpPr>
-          <p:cNvPr id="7" name="Slide Number Placeholder 6"/>
+          <p:cNvPr id="7" name="Marcador de número de diapositiva 6"/>
           <p:cNvSpPr>
             <a:spLocks noGrp="1"/>
           </p:cNvSpPr>
@@ -2507,7 +3125,7 @@
           <a:lstStyle/>
           <a:p>
             <a:fld id="{48F63A3B-78C7-47BE-AE5E-E10140E04643}" type="slidenum">
-              <a:rPr lang="en-US" dirty="0"/>
+              <a:rPr lang="en-US" smtClean="0"/>
               <a:t>‹Nº›</a:t>
             </a:fld>
             <a:endParaRPr lang="en-US" dirty="0"/>
@@ -2517,7 +3135,7 @@
     </p:spTree>
     <p:extLst>
       <p:ext uri="{BB962C8B-B14F-4D97-AF65-F5344CB8AC3E}">
-        <p14:creationId xmlns:p14="http://schemas.microsoft.com/office/powerpoint/2010/main" val="2802875796"/>
+        <p14:creationId xmlns:p14="http://schemas.microsoft.com/office/powerpoint/2010/main" val="913094142"/>
       </p:ext>
     </p:extLst>
   </p:cSld>
@@ -2546,7 +3164,7 @@
       </p:grpSpPr>
       <p:sp>
         <p:nvSpPr>
-          <p:cNvPr id="2" name="Title 1"/>
+          <p:cNvPr id="2" name="Título 1"/>
           <p:cNvSpPr>
             <a:spLocks noGrp="1"/>
           </p:cNvSpPr>
@@ -2564,7 +3182,7 @@
           <a:bodyPr anchor="b"/>
           <a:lstStyle>
             <a:lvl1pPr>
-              <a:defRPr sz="3200"/>
+              <a:defRPr sz="2600"/>
             </a:lvl1pPr>
           </a:lstStyle>
           <a:p>
@@ -2572,15 +3190,15 @@
               <a:rPr lang="es-ES" smtClean="0"/>
               <a:t>Haga clic para modificar el estilo de título del patrón</a:t>
             </a:r>
-            <a:endParaRPr lang="en-US" dirty="0"/>
-          </a:p>
-        </p:txBody>
-      </p:sp>
-      <p:sp>
-        <p:nvSpPr>
-          <p:cNvPr id="3" name="Picture Placeholder 2"/>
+            <a:endParaRPr lang="es-CO"/>
+          </a:p>
+        </p:txBody>
+      </p:sp>
+      <p:sp>
+        <p:nvSpPr>
+          <p:cNvPr id="3" name="Marcador de posición de imagen 2"/>
           <p:cNvSpPr>
-            <a:spLocks noGrp="1" noChangeAspect="1"/>
+            <a:spLocks noGrp="1"/>
           </p:cNvSpPr>
           <p:nvPr>
             <p:ph type="pic" idx="1"/>
@@ -2588,62 +3206,58 @@
         </p:nvSpPr>
         <p:spPr>
           <a:xfrm>
-            <a:off x="4211340" y="987427"/>
+            <a:off x="4211340" y="987426"/>
             <a:ext cx="5014913" cy="4873625"/>
           </a:xfrm>
         </p:spPr>
         <p:txBody>
-          <a:bodyPr anchor="t"/>
+          <a:bodyPr/>
           <a:lstStyle>
             <a:lvl1pPr marL="0" indent="0">
               <a:buNone/>
-              <a:defRPr sz="3200"/>
+              <a:defRPr sz="2600"/>
             </a:lvl1pPr>
-            <a:lvl2pPr marL="457200" indent="0">
+            <a:lvl2pPr marL="371475" indent="0">
               <a:buNone/>
-              <a:defRPr sz="2800"/>
+              <a:defRPr sz="2275"/>
             </a:lvl2pPr>
-            <a:lvl3pPr marL="914400" indent="0">
+            <a:lvl3pPr marL="742950" indent="0">
               <a:buNone/>
-              <a:defRPr sz="2400"/>
+              <a:defRPr sz="1950"/>
             </a:lvl3pPr>
-            <a:lvl4pPr marL="1371600" indent="0">
+            <a:lvl4pPr marL="1114425" indent="0">
               <a:buNone/>
-              <a:defRPr sz="2000"/>
+              <a:defRPr sz="1625"/>
             </a:lvl4pPr>
-            <a:lvl5pPr marL="1828800" indent="0">
+            <a:lvl5pPr marL="1485900" indent="0">
               <a:buNone/>
-              <a:defRPr sz="2000"/>
+              <a:defRPr sz="1625"/>
             </a:lvl5pPr>
-            <a:lvl6pPr marL="2286000" indent="0">
+            <a:lvl6pPr marL="1857375" indent="0">
               <a:buNone/>
-              <a:defRPr sz="2000"/>
+              <a:defRPr sz="1625"/>
             </a:lvl6pPr>
-            <a:lvl7pPr marL="2743200" indent="0">
+            <a:lvl7pPr marL="2228850" indent="0">
               <a:buNone/>
-              <a:defRPr sz="2000"/>
+              <a:defRPr sz="1625"/>
             </a:lvl7pPr>
-            <a:lvl8pPr marL="3200400" indent="0">
+            <a:lvl8pPr marL="2600325" indent="0">
               <a:buNone/>
-              <a:defRPr sz="2000"/>
+              <a:defRPr sz="1625"/>
             </a:lvl8pPr>
-            <a:lvl9pPr marL="3657600" indent="0">
+            <a:lvl9pPr marL="2971800" indent="0">
               <a:buNone/>
-              <a:defRPr sz="2000"/>
+              <a:defRPr sz="1625"/>
             </a:lvl9pPr>
           </a:lstStyle>
           <a:p>
-            <a:r>
-              <a:rPr lang="es-ES" smtClean="0"/>
-              <a:t>Haga clic en el icono para agregar una imagen</a:t>
-            </a:r>
-            <a:endParaRPr lang="en-US" dirty="0"/>
-          </a:p>
-        </p:txBody>
-      </p:sp>
-      <p:sp>
-        <p:nvSpPr>
-          <p:cNvPr id="4" name="Text Placeholder 3"/>
+            <a:endParaRPr lang="es-CO"/>
+          </a:p>
+        </p:txBody>
+      </p:sp>
+      <p:sp>
+        <p:nvSpPr>
+          <p:cNvPr id="4" name="Marcador de texto 3"/>
           <p:cNvSpPr>
             <a:spLocks noGrp="1"/>
           </p:cNvSpPr>
@@ -2662,39 +3276,39 @@
           <a:lstStyle>
             <a:lvl1pPr marL="0" indent="0">
               <a:buNone/>
-              <a:defRPr sz="1600"/>
+              <a:defRPr sz="1300"/>
             </a:lvl1pPr>
-            <a:lvl2pPr marL="457200" indent="0">
+            <a:lvl2pPr marL="371475" indent="0">
               <a:buNone/>
-              <a:defRPr sz="1400"/>
+              <a:defRPr sz="1138"/>
             </a:lvl2pPr>
-            <a:lvl3pPr marL="914400" indent="0">
+            <a:lvl3pPr marL="742950" indent="0">
               <a:buNone/>
-              <a:defRPr sz="1200"/>
+              <a:defRPr sz="975"/>
             </a:lvl3pPr>
-            <a:lvl4pPr marL="1371600" indent="0">
+            <a:lvl4pPr marL="1114425" indent="0">
               <a:buNone/>
-              <a:defRPr sz="1000"/>
+              <a:defRPr sz="813"/>
             </a:lvl4pPr>
-            <a:lvl5pPr marL="1828800" indent="0">
+            <a:lvl5pPr marL="1485900" indent="0">
               <a:buNone/>
-              <a:defRPr sz="1000"/>
+              <a:defRPr sz="813"/>
             </a:lvl5pPr>
-            <a:lvl6pPr marL="2286000" indent="0">
+            <a:lvl6pPr marL="1857375" indent="0">
               <a:buNone/>
-              <a:defRPr sz="1000"/>
+              <a:defRPr sz="813"/>
             </a:lvl6pPr>
-            <a:lvl7pPr marL="2743200" indent="0">
+            <a:lvl7pPr marL="2228850" indent="0">
               <a:buNone/>
-              <a:defRPr sz="1000"/>
+              <a:defRPr sz="813"/>
             </a:lvl7pPr>
-            <a:lvl8pPr marL="3200400" indent="0">
+            <a:lvl8pPr marL="2600325" indent="0">
               <a:buNone/>
-              <a:defRPr sz="1000"/>
+              <a:defRPr sz="813"/>
             </a:lvl8pPr>
-            <a:lvl9pPr marL="3657600" indent="0">
+            <a:lvl9pPr marL="2971800" indent="0">
               <a:buNone/>
-              <a:defRPr sz="1000"/>
+              <a:defRPr sz="813"/>
             </a:lvl9pPr>
           </a:lstStyle>
           <a:p>
@@ -2708,7 +3322,7 @@
       </p:sp>
       <p:sp>
         <p:nvSpPr>
-          <p:cNvPr id="5" name="Date Placeholder 4"/>
+          <p:cNvPr id="5" name="Marcador de fecha 4"/>
           <p:cNvSpPr>
             <a:spLocks noGrp="1"/>
           </p:cNvSpPr>
@@ -2722,8 +3336,8 @@
           <a:lstStyle/>
           <a:p>
             <a:fld id="{C764DE79-268F-4C1A-8933-263129D2AF90}" type="datetimeFigureOut">
-              <a:rPr lang="en-US" dirty="0"/>
-              <a:t>11/18/2015</a:t>
+              <a:rPr lang="en-US" smtClean="0"/>
+              <a:t>11/20/2015</a:t>
             </a:fld>
             <a:endParaRPr lang="en-US" dirty="0"/>
           </a:p>
@@ -2731,7 +3345,7 @@
       </p:sp>
       <p:sp>
         <p:nvSpPr>
-          <p:cNvPr id="6" name="Footer Placeholder 5"/>
+          <p:cNvPr id="6" name="Marcador de pie de página 5"/>
           <p:cNvSpPr>
             <a:spLocks noGrp="1"/>
           </p:cNvSpPr>
@@ -2750,7 +3364,7 @@
       </p:sp>
       <p:sp>
         <p:nvSpPr>
-          <p:cNvPr id="7" name="Slide Number Placeholder 6"/>
+          <p:cNvPr id="7" name="Marcador de número de diapositiva 6"/>
           <p:cNvSpPr>
             <a:spLocks noGrp="1"/>
           </p:cNvSpPr>
@@ -2764,7 +3378,7 @@
           <a:lstStyle/>
           <a:p>
             <a:fld id="{48F63A3B-78C7-47BE-AE5E-E10140E04643}" type="slidenum">
-              <a:rPr lang="en-US" dirty="0"/>
+              <a:rPr lang="en-US" smtClean="0"/>
               <a:t>‹Nº›</a:t>
             </a:fld>
             <a:endParaRPr lang="en-US" dirty="0"/>
@@ -2774,7 +3388,7 @@
     </p:spTree>
     <p:extLst>
       <p:ext uri="{BB962C8B-B14F-4D97-AF65-F5344CB8AC3E}">
-        <p14:creationId xmlns:p14="http://schemas.microsoft.com/office/powerpoint/2010/main" val="4182812754"/>
+        <p14:creationId xmlns:p14="http://schemas.microsoft.com/office/powerpoint/2010/main" val="84151139"/>
       </p:ext>
     </p:extLst>
   </p:cSld>
@@ -2808,7 +3422,7 @@
       </p:grpSpPr>
       <p:sp>
         <p:nvSpPr>
-          <p:cNvPr id="2" name="Title Placeholder 1"/>
+          <p:cNvPr id="2" name="Marcador de título 1"/>
           <p:cNvSpPr>
             <a:spLocks noGrp="1"/>
           </p:cNvSpPr>
@@ -2818,7 +3432,7 @@
         </p:nvSpPr>
         <p:spPr>
           <a:xfrm>
-            <a:off x="681038" y="365127"/>
+            <a:off x="681038" y="365126"/>
             <a:ext cx="8543925" cy="1325563"/>
           </a:xfrm>
           <a:prstGeom prst="rect">
@@ -2835,13 +3449,13 @@
               <a:rPr lang="es-ES" smtClean="0"/>
               <a:t>Haga clic para modificar el estilo de título del patrón</a:t>
             </a:r>
-            <a:endParaRPr lang="en-US" dirty="0"/>
-          </a:p>
-        </p:txBody>
-      </p:sp>
-      <p:sp>
-        <p:nvSpPr>
-          <p:cNvPr id="3" name="Text Placeholder 2"/>
+            <a:endParaRPr lang="es-CO"/>
+          </a:p>
+        </p:txBody>
+      </p:sp>
+      <p:sp>
+        <p:nvSpPr>
+          <p:cNvPr id="3" name="Marcador de texto 2"/>
           <p:cNvSpPr>
             <a:spLocks noGrp="1"/>
           </p:cNvSpPr>
@@ -2897,13 +3511,13 @@
               <a:rPr lang="es-ES" smtClean="0"/>
               <a:t>Quinto nivel</a:t>
             </a:r>
-            <a:endParaRPr lang="en-US" dirty="0"/>
-          </a:p>
-        </p:txBody>
-      </p:sp>
-      <p:sp>
-        <p:nvSpPr>
-          <p:cNvPr id="4" name="Date Placeholder 3"/>
+            <a:endParaRPr lang="es-CO"/>
+          </a:p>
+        </p:txBody>
+      </p:sp>
+      <p:sp>
+        <p:nvSpPr>
+          <p:cNvPr id="4" name="Marcador de fecha 3"/>
           <p:cNvSpPr>
             <a:spLocks noGrp="1"/>
           </p:cNvSpPr>
@@ -2913,7 +3527,7 @@
         </p:nvSpPr>
         <p:spPr>
           <a:xfrm>
-            <a:off x="681038" y="6356352"/>
+            <a:off x="681038" y="6356351"/>
             <a:ext cx="2228850" cy="365125"/>
           </a:xfrm>
           <a:prstGeom prst="rect">
@@ -2924,7 +3538,7 @@
           <a:bodyPr vert="horz" lIns="91440" tIns="45720" rIns="91440" bIns="45720" rtlCol="0" anchor="ctr"/>
           <a:lstStyle>
             <a:lvl1pPr algn="l">
-              <a:defRPr sz="1200">
+              <a:defRPr sz="975">
                 <a:solidFill>
                   <a:schemeClr val="tx1">
                     <a:tint val="75000"/>
@@ -2935,8 +3549,8 @@
           </a:lstStyle>
           <a:p>
             <a:fld id="{C764DE79-268F-4C1A-8933-263129D2AF90}" type="datetimeFigureOut">
-              <a:rPr lang="en-US" dirty="0"/>
-              <a:t>11/18/2015</a:t>
+              <a:rPr lang="en-US" smtClean="0"/>
+              <a:t>11/20/2015</a:t>
             </a:fld>
             <a:endParaRPr lang="en-US" dirty="0"/>
           </a:p>
@@ -2944,7 +3558,7 @@
       </p:sp>
       <p:sp>
         <p:nvSpPr>
-          <p:cNvPr id="5" name="Footer Placeholder 4"/>
+          <p:cNvPr id="5" name="Marcador de pie de página 4"/>
           <p:cNvSpPr>
             <a:spLocks noGrp="1"/>
           </p:cNvSpPr>
@@ -2954,7 +3568,7 @@
         </p:nvSpPr>
         <p:spPr>
           <a:xfrm>
-            <a:off x="3281363" y="6356352"/>
+            <a:off x="3281363" y="6356351"/>
             <a:ext cx="3343275" cy="365125"/>
           </a:xfrm>
           <a:prstGeom prst="rect">
@@ -2965,7 +3579,7 @@
           <a:bodyPr vert="horz" lIns="91440" tIns="45720" rIns="91440" bIns="45720" rtlCol="0" anchor="ctr"/>
           <a:lstStyle>
             <a:lvl1pPr algn="ctr">
-              <a:defRPr sz="1200">
+              <a:defRPr sz="975">
                 <a:solidFill>
                   <a:schemeClr val="tx1">
                     <a:tint val="75000"/>
@@ -2981,7 +3595,7 @@
       </p:sp>
       <p:sp>
         <p:nvSpPr>
-          <p:cNvPr id="6" name="Slide Number Placeholder 5"/>
+          <p:cNvPr id="6" name="Marcador de número de diapositiva 5"/>
           <p:cNvSpPr>
             <a:spLocks noGrp="1"/>
           </p:cNvSpPr>
@@ -2991,7 +3605,7 @@
         </p:nvSpPr>
         <p:spPr>
           <a:xfrm>
-            <a:off x="6996113" y="6356352"/>
+            <a:off x="6996113" y="6356351"/>
             <a:ext cx="2228850" cy="365125"/>
           </a:xfrm>
           <a:prstGeom prst="rect">
@@ -3002,7 +3616,7 @@
           <a:bodyPr vert="horz" lIns="91440" tIns="45720" rIns="91440" bIns="45720" rtlCol="0" anchor="ctr"/>
           <a:lstStyle>
             <a:lvl1pPr algn="r">
-              <a:defRPr sz="1200">
+              <a:defRPr sz="975">
                 <a:solidFill>
                   <a:schemeClr val="tx1">
                     <a:tint val="75000"/>
@@ -3013,7 +3627,7 @@
           </a:lstStyle>
           <a:p>
             <a:fld id="{48F63A3B-78C7-47BE-AE5E-E10140E04643}" type="slidenum">
-              <a:rPr lang="en-US" dirty="0"/>
+              <a:rPr lang="en-US" smtClean="0"/>
               <a:t>‹Nº›</a:t>
             </a:fld>
             <a:endParaRPr lang="en-US" dirty="0"/>
@@ -3044,7 +3658,11 @@
           <a:p>
             <a:r>
               <a:rPr lang="es-ES" sz="1200" dirty="0" smtClean="0"/>
-              <a:t>© Editorial Planeta Colombiana S.A., 2015.</a:t>
+              <a:t>© Editorial Planeta Colombiana S.A., </a:t>
+            </a:r>
+            <a:r>
+              <a:rPr lang="es-ES" sz="1200" dirty="0" smtClean="0"/>
+              <a:t>2016.</a:t>
             </a:r>
             <a:endParaRPr lang="es-ES" sz="1200" dirty="0"/>
           </a:p>
@@ -3059,7 +3677,7 @@
           <p:nvPr userDrawn="1"/>
         </p:nvPicPr>
         <p:blipFill>
-          <a:blip r:embed="rId23" cstate="print">
+          <a:blip r:embed="rId24" cstate="print">
             <a:extLst>
               <a:ext uri="{28A0092B-C50C-407E-A947-70E740481C1C}">
                 <a14:useLocalDpi xmlns:a14="http://schemas.microsoft.com/office/drawing/2010/main" val="0"/>
@@ -3083,37 +3701,38 @@
     </p:spTree>
     <p:extLst>
       <p:ext uri="{BB962C8B-B14F-4D97-AF65-F5344CB8AC3E}">
-        <p14:creationId xmlns:p14="http://schemas.microsoft.com/office/powerpoint/2010/main" val="94130421"/>
+        <p14:creationId xmlns:p14="http://schemas.microsoft.com/office/powerpoint/2010/main" val="3170578030"/>
       </p:ext>
     </p:extLst>
   </p:cSld>
   <p:clrMap bg1="lt1" tx1="dk1" bg2="lt2" tx2="dk2" accent1="accent1" accent2="accent2" accent3="accent3" accent4="accent4" accent5="accent5" accent6="accent6" hlink="hlink" folHlink="folHlink"/>
   <p:sldLayoutIdLst>
-    <p:sldLayoutId id="2147483673" r:id="rId1"/>
-    <p:sldLayoutId id="2147483674" r:id="rId2"/>
-    <p:sldLayoutId id="2147483675" r:id="rId3"/>
-    <p:sldLayoutId id="2147483676" r:id="rId4"/>
-    <p:sldLayoutId id="2147483677" r:id="rId5"/>
-    <p:sldLayoutId id="2147483678" r:id="rId6"/>
-    <p:sldLayoutId id="2147483679" r:id="rId7"/>
-    <p:sldLayoutId id="2147483680" r:id="rId8"/>
-    <p:sldLayoutId id="2147483681" r:id="rId9"/>
-    <p:sldLayoutId id="2147483682" r:id="rId10"/>
-    <p:sldLayoutId id="2147483683" r:id="rId11"/>
-    <p:sldLayoutId id="2147483661" r:id="rId12"/>
-    <p:sldLayoutId id="2147483662" r:id="rId13"/>
-    <p:sldLayoutId id="2147483663" r:id="rId14"/>
-    <p:sldLayoutId id="2147483664" r:id="rId15"/>
-    <p:sldLayoutId id="2147483665" r:id="rId16"/>
-    <p:sldLayoutId id="2147483666" r:id="rId17"/>
-    <p:sldLayoutId id="2147483668" r:id="rId18"/>
-    <p:sldLayoutId id="2147483669" r:id="rId19"/>
-    <p:sldLayoutId id="2147483670" r:id="rId20"/>
-    <p:sldLayoutId id="2147483671" r:id="rId21"/>
+    <p:sldLayoutId id="2147483685" r:id="rId1"/>
+    <p:sldLayoutId id="2147483686" r:id="rId2"/>
+    <p:sldLayoutId id="2147483687" r:id="rId3"/>
+    <p:sldLayoutId id="2147483688" r:id="rId4"/>
+    <p:sldLayoutId id="2147483689" r:id="rId5"/>
+    <p:sldLayoutId id="2147483690" r:id="rId6"/>
+    <p:sldLayoutId id="2147483691" r:id="rId7"/>
+    <p:sldLayoutId id="2147483692" r:id="rId8"/>
+    <p:sldLayoutId id="2147483693" r:id="rId9"/>
+    <p:sldLayoutId id="2147483694" r:id="rId10"/>
+    <p:sldLayoutId id="2147483695" r:id="rId11"/>
+    <p:sldLayoutId id="2147483679" r:id="rId12"/>
+    <p:sldLayoutId id="2147483661" r:id="rId13"/>
+    <p:sldLayoutId id="2147483662" r:id="rId14"/>
+    <p:sldLayoutId id="2147483663" r:id="rId15"/>
+    <p:sldLayoutId id="2147483664" r:id="rId16"/>
+    <p:sldLayoutId id="2147483665" r:id="rId17"/>
+    <p:sldLayoutId id="2147483666" r:id="rId18"/>
+    <p:sldLayoutId id="2147483668" r:id="rId19"/>
+    <p:sldLayoutId id="2147483669" r:id="rId20"/>
+    <p:sldLayoutId id="2147483670" r:id="rId21"/>
+    <p:sldLayoutId id="2147483671" r:id="rId22"/>
   </p:sldLayoutIdLst>
   <p:txStyles>
     <p:titleStyle>
-      <a:lvl1pPr algn="l" defTabSz="914400" rtl="0" eaLnBrk="1" latinLnBrk="0" hangingPunct="1">
+      <a:lvl1pPr algn="l" defTabSz="742950" rtl="0" eaLnBrk="1" latinLnBrk="0" hangingPunct="1">
         <a:lnSpc>
           <a:spcPct val="90000"/>
         </a:lnSpc>
@@ -3121,7 +3740,7 @@
           <a:spcPct val="0"/>
         </a:spcBef>
         <a:buNone/>
-        <a:defRPr sz="4400" kern="1200">
+        <a:defRPr sz="3575" kern="1200">
           <a:solidFill>
             <a:schemeClr val="tx1"/>
           </a:solidFill>
@@ -3132,16 +3751,16 @@
       </a:lvl1pPr>
     </p:titleStyle>
     <p:bodyStyle>
-      <a:lvl1pPr marL="228600" indent="-228600" algn="l" defTabSz="914400" rtl="0" eaLnBrk="1" latinLnBrk="0" hangingPunct="1">
+      <a:lvl1pPr marL="185738" indent="-185738" algn="l" defTabSz="742950" rtl="0" eaLnBrk="1" latinLnBrk="0" hangingPunct="1">
         <a:lnSpc>
           <a:spcPct val="90000"/>
         </a:lnSpc>
         <a:spcBef>
-          <a:spcPts val="1000"/>
+          <a:spcPts val="813"/>
         </a:spcBef>
         <a:buFont typeface="Arial" panose="020B0604020202020204" pitchFamily="34" charset="0"/>
         <a:buChar char="•"/>
-        <a:defRPr sz="2800" kern="1200">
+        <a:defRPr sz="2275" kern="1200">
           <a:solidFill>
             <a:schemeClr val="tx1"/>
           </a:solidFill>
@@ -3150,16 +3769,16 @@
           <a:cs typeface="+mn-cs"/>
         </a:defRPr>
       </a:lvl1pPr>
-      <a:lvl2pPr marL="685800" indent="-228600" algn="l" defTabSz="914400" rtl="0" eaLnBrk="1" latinLnBrk="0" hangingPunct="1">
+      <a:lvl2pPr marL="557213" indent="-185738" algn="l" defTabSz="742950" rtl="0" eaLnBrk="1" latinLnBrk="0" hangingPunct="1">
         <a:lnSpc>
           <a:spcPct val="90000"/>
         </a:lnSpc>
         <a:spcBef>
-          <a:spcPts val="500"/>
+          <a:spcPts val="406"/>
         </a:spcBef>
         <a:buFont typeface="Arial" panose="020B0604020202020204" pitchFamily="34" charset="0"/>
         <a:buChar char="•"/>
-        <a:defRPr sz="2400" kern="1200">
+        <a:defRPr sz="1950" kern="1200">
           <a:solidFill>
             <a:schemeClr val="tx1"/>
           </a:solidFill>
@@ -3168,16 +3787,16 @@
           <a:cs typeface="+mn-cs"/>
         </a:defRPr>
       </a:lvl2pPr>
-      <a:lvl3pPr marL="1143000" indent="-228600" algn="l" defTabSz="914400" rtl="0" eaLnBrk="1" latinLnBrk="0" hangingPunct="1">
+      <a:lvl3pPr marL="928688" indent="-185738" algn="l" defTabSz="742950" rtl="0" eaLnBrk="1" latinLnBrk="0" hangingPunct="1">
         <a:lnSpc>
           <a:spcPct val="90000"/>
         </a:lnSpc>
         <a:spcBef>
-          <a:spcPts val="500"/>
+          <a:spcPts val="406"/>
         </a:spcBef>
         <a:buFont typeface="Arial" panose="020B0604020202020204" pitchFamily="34" charset="0"/>
         <a:buChar char="•"/>
-        <a:defRPr sz="2000" kern="1200">
+        <a:defRPr sz="1625" kern="1200">
           <a:solidFill>
             <a:schemeClr val="tx1"/>
           </a:solidFill>
@@ -3186,16 +3805,16 @@
           <a:cs typeface="+mn-cs"/>
         </a:defRPr>
       </a:lvl3pPr>
-      <a:lvl4pPr marL="1600200" indent="-228600" algn="l" defTabSz="914400" rtl="0" eaLnBrk="1" latinLnBrk="0" hangingPunct="1">
+      <a:lvl4pPr marL="1300163" indent="-185738" algn="l" defTabSz="742950" rtl="0" eaLnBrk="1" latinLnBrk="0" hangingPunct="1">
         <a:lnSpc>
           <a:spcPct val="90000"/>
         </a:lnSpc>
         <a:spcBef>
-          <a:spcPts val="500"/>
+          <a:spcPts val="406"/>
         </a:spcBef>
         <a:buFont typeface="Arial" panose="020B0604020202020204" pitchFamily="34" charset="0"/>
         <a:buChar char="•"/>
-        <a:defRPr sz="1800" kern="1200">
+        <a:defRPr sz="1463" kern="1200">
           <a:solidFill>
             <a:schemeClr val="tx1"/>
           </a:solidFill>
@@ -3204,16 +3823,16 @@
           <a:cs typeface="+mn-cs"/>
         </a:defRPr>
       </a:lvl4pPr>
-      <a:lvl5pPr marL="2057400" indent="-228600" algn="l" defTabSz="914400" rtl="0" eaLnBrk="1" latinLnBrk="0" hangingPunct="1">
+      <a:lvl5pPr marL="1671638" indent="-185738" algn="l" defTabSz="742950" rtl="0" eaLnBrk="1" latinLnBrk="0" hangingPunct="1">
         <a:lnSpc>
           <a:spcPct val="90000"/>
         </a:lnSpc>
         <a:spcBef>
-          <a:spcPts val="500"/>
+          <a:spcPts val="406"/>
         </a:spcBef>
         <a:buFont typeface="Arial" panose="020B0604020202020204" pitchFamily="34" charset="0"/>
         <a:buChar char="•"/>
-        <a:defRPr sz="1800" kern="1200">
+        <a:defRPr sz="1463" kern="1200">
           <a:solidFill>
             <a:schemeClr val="tx1"/>
           </a:solidFill>
@@ -3222,16 +3841,16 @@
           <a:cs typeface="+mn-cs"/>
         </a:defRPr>
       </a:lvl5pPr>
-      <a:lvl6pPr marL="2514600" indent="-228600" algn="l" defTabSz="914400" rtl="0" eaLnBrk="1" latinLnBrk="0" hangingPunct="1">
+      <a:lvl6pPr marL="2043113" indent="-185738" algn="l" defTabSz="742950" rtl="0" eaLnBrk="1" latinLnBrk="0" hangingPunct="1">
         <a:lnSpc>
           <a:spcPct val="90000"/>
         </a:lnSpc>
         <a:spcBef>
-          <a:spcPts val="500"/>
+          <a:spcPts val="406"/>
         </a:spcBef>
         <a:buFont typeface="Arial" panose="020B0604020202020204" pitchFamily="34" charset="0"/>
         <a:buChar char="•"/>
-        <a:defRPr sz="1800" kern="1200">
+        <a:defRPr sz="1463" kern="1200">
           <a:solidFill>
             <a:schemeClr val="tx1"/>
           </a:solidFill>
@@ -3240,16 +3859,16 @@
           <a:cs typeface="+mn-cs"/>
         </a:defRPr>
       </a:lvl6pPr>
-      <a:lvl7pPr marL="2971800" indent="-228600" algn="l" defTabSz="914400" rtl="0" eaLnBrk="1" latinLnBrk="0" hangingPunct="1">
+      <a:lvl7pPr marL="2414588" indent="-185738" algn="l" defTabSz="742950" rtl="0" eaLnBrk="1" latinLnBrk="0" hangingPunct="1">
         <a:lnSpc>
           <a:spcPct val="90000"/>
         </a:lnSpc>
         <a:spcBef>
-          <a:spcPts val="500"/>
+          <a:spcPts val="406"/>
         </a:spcBef>
         <a:buFont typeface="Arial" panose="020B0604020202020204" pitchFamily="34" charset="0"/>
         <a:buChar char="•"/>
-        <a:defRPr sz="1800" kern="1200">
+        <a:defRPr sz="1463" kern="1200">
           <a:solidFill>
             <a:schemeClr val="tx1"/>
           </a:solidFill>
@@ -3258,16 +3877,16 @@
           <a:cs typeface="+mn-cs"/>
         </a:defRPr>
       </a:lvl7pPr>
-      <a:lvl8pPr marL="3429000" indent="-228600" algn="l" defTabSz="914400" rtl="0" eaLnBrk="1" latinLnBrk="0" hangingPunct="1">
+      <a:lvl8pPr marL="2786063" indent="-185738" algn="l" defTabSz="742950" rtl="0" eaLnBrk="1" latinLnBrk="0" hangingPunct="1">
         <a:lnSpc>
           <a:spcPct val="90000"/>
         </a:lnSpc>
         <a:spcBef>
-          <a:spcPts val="500"/>
+          <a:spcPts val="406"/>
         </a:spcBef>
         <a:buFont typeface="Arial" panose="020B0604020202020204" pitchFamily="34" charset="0"/>
         <a:buChar char="•"/>
-        <a:defRPr sz="1800" kern="1200">
+        <a:defRPr sz="1463" kern="1200">
           <a:solidFill>
             <a:schemeClr val="tx1"/>
           </a:solidFill>
@@ -3276,16 +3895,16 @@
           <a:cs typeface="+mn-cs"/>
         </a:defRPr>
       </a:lvl8pPr>
-      <a:lvl9pPr marL="3886200" indent="-228600" algn="l" defTabSz="914400" rtl="0" eaLnBrk="1" latinLnBrk="0" hangingPunct="1">
+      <a:lvl9pPr marL="3157538" indent="-185738" algn="l" defTabSz="742950" rtl="0" eaLnBrk="1" latinLnBrk="0" hangingPunct="1">
         <a:lnSpc>
           <a:spcPct val="90000"/>
         </a:lnSpc>
         <a:spcBef>
-          <a:spcPts val="500"/>
+          <a:spcPts val="406"/>
         </a:spcBef>
         <a:buFont typeface="Arial" panose="020B0604020202020204" pitchFamily="34" charset="0"/>
         <a:buChar char="•"/>
-        <a:defRPr sz="1800" kern="1200">
+        <a:defRPr sz="1463" kern="1200">
           <a:solidFill>
             <a:schemeClr val="tx1"/>
           </a:solidFill>
@@ -3297,10 +3916,10 @@
     </p:bodyStyle>
     <p:otherStyle>
       <a:defPPr>
-        <a:defRPr lang="en-US"/>
+        <a:defRPr lang="es-CO"/>
       </a:defPPr>
-      <a:lvl1pPr marL="0" algn="l" defTabSz="914400" rtl="0" eaLnBrk="1" latinLnBrk="0" hangingPunct="1">
-        <a:defRPr sz="1800" kern="1200">
+      <a:lvl1pPr marL="0" algn="l" defTabSz="742950" rtl="0" eaLnBrk="1" latinLnBrk="0" hangingPunct="1">
+        <a:defRPr sz="1463" kern="1200">
           <a:solidFill>
             <a:schemeClr val="tx1"/>
           </a:solidFill>
@@ -3309,8 +3928,8 @@
           <a:cs typeface="+mn-cs"/>
         </a:defRPr>
       </a:lvl1pPr>
-      <a:lvl2pPr marL="457200" algn="l" defTabSz="914400" rtl="0" eaLnBrk="1" latinLnBrk="0" hangingPunct="1">
-        <a:defRPr sz="1800" kern="1200">
+      <a:lvl2pPr marL="371475" algn="l" defTabSz="742950" rtl="0" eaLnBrk="1" latinLnBrk="0" hangingPunct="1">
+        <a:defRPr sz="1463" kern="1200">
           <a:solidFill>
             <a:schemeClr val="tx1"/>
           </a:solidFill>
@@ -3319,8 +3938,8 @@
           <a:cs typeface="+mn-cs"/>
         </a:defRPr>
       </a:lvl2pPr>
-      <a:lvl3pPr marL="914400" algn="l" defTabSz="914400" rtl="0" eaLnBrk="1" latinLnBrk="0" hangingPunct="1">
-        <a:defRPr sz="1800" kern="1200">
+      <a:lvl3pPr marL="742950" algn="l" defTabSz="742950" rtl="0" eaLnBrk="1" latinLnBrk="0" hangingPunct="1">
+        <a:defRPr sz="1463" kern="1200">
           <a:solidFill>
             <a:schemeClr val="tx1"/>
           </a:solidFill>
@@ -3329,8 +3948,8 @@
           <a:cs typeface="+mn-cs"/>
         </a:defRPr>
       </a:lvl3pPr>
-      <a:lvl4pPr marL="1371600" algn="l" defTabSz="914400" rtl="0" eaLnBrk="1" latinLnBrk="0" hangingPunct="1">
-        <a:defRPr sz="1800" kern="1200">
+      <a:lvl4pPr marL="1114425" algn="l" defTabSz="742950" rtl="0" eaLnBrk="1" latinLnBrk="0" hangingPunct="1">
+        <a:defRPr sz="1463" kern="1200">
           <a:solidFill>
             <a:schemeClr val="tx1"/>
           </a:solidFill>
@@ -3339,8 +3958,8 @@
           <a:cs typeface="+mn-cs"/>
         </a:defRPr>
       </a:lvl4pPr>
-      <a:lvl5pPr marL="1828800" algn="l" defTabSz="914400" rtl="0" eaLnBrk="1" latinLnBrk="0" hangingPunct="1">
-        <a:defRPr sz="1800" kern="1200">
+      <a:lvl5pPr marL="1485900" algn="l" defTabSz="742950" rtl="0" eaLnBrk="1" latinLnBrk="0" hangingPunct="1">
+        <a:defRPr sz="1463" kern="1200">
           <a:solidFill>
             <a:schemeClr val="tx1"/>
           </a:solidFill>
@@ -3349,8 +3968,8 @@
           <a:cs typeface="+mn-cs"/>
         </a:defRPr>
       </a:lvl5pPr>
-      <a:lvl6pPr marL="2286000" algn="l" defTabSz="914400" rtl="0" eaLnBrk="1" latinLnBrk="0" hangingPunct="1">
-        <a:defRPr sz="1800" kern="1200">
+      <a:lvl6pPr marL="1857375" algn="l" defTabSz="742950" rtl="0" eaLnBrk="1" latinLnBrk="0" hangingPunct="1">
+        <a:defRPr sz="1463" kern="1200">
           <a:solidFill>
             <a:schemeClr val="tx1"/>
           </a:solidFill>
@@ -3359,8 +3978,8 @@
           <a:cs typeface="+mn-cs"/>
         </a:defRPr>
       </a:lvl6pPr>
-      <a:lvl7pPr marL="2743200" algn="l" defTabSz="914400" rtl="0" eaLnBrk="1" latinLnBrk="0" hangingPunct="1">
-        <a:defRPr sz="1800" kern="1200">
+      <a:lvl7pPr marL="2228850" algn="l" defTabSz="742950" rtl="0" eaLnBrk="1" latinLnBrk="0" hangingPunct="1">
+        <a:defRPr sz="1463" kern="1200">
           <a:solidFill>
             <a:schemeClr val="tx1"/>
           </a:solidFill>
@@ -3369,8 +3988,8 @@
           <a:cs typeface="+mn-cs"/>
         </a:defRPr>
       </a:lvl7pPr>
-      <a:lvl8pPr marL="3200400" algn="l" defTabSz="914400" rtl="0" eaLnBrk="1" latinLnBrk="0" hangingPunct="1">
-        <a:defRPr sz="1800" kern="1200">
+      <a:lvl8pPr marL="2600325" algn="l" defTabSz="742950" rtl="0" eaLnBrk="1" latinLnBrk="0" hangingPunct="1">
+        <a:defRPr sz="1463" kern="1200">
           <a:solidFill>
             <a:schemeClr val="tx1"/>
           </a:solidFill>
@@ -3379,8 +3998,8 @@
           <a:cs typeface="+mn-cs"/>
         </a:defRPr>
       </a:lvl8pPr>
-      <a:lvl9pPr marL="3657600" algn="l" defTabSz="914400" rtl="0" eaLnBrk="1" latinLnBrk="0" hangingPunct="1">
-        <a:defRPr sz="1800" kern="1200">
+      <a:lvl9pPr marL="2971800" algn="l" defTabSz="742950" rtl="0" eaLnBrk="1" latinLnBrk="0" hangingPunct="1">
+        <a:defRPr sz="1463" kern="1200">
           <a:solidFill>
             <a:schemeClr val="tx1"/>
           </a:solidFill>
@@ -5579,15 +6198,7 @@
                   <a:schemeClr val="tx1"/>
                 </a:solidFill>
               </a:rPr>
-              <a:t>primero </a:t>
-            </a:r>
-            <a:r>
-              <a:rPr lang="es-CO" sz="800" dirty="0" smtClean="0">
-                <a:solidFill>
-                  <a:schemeClr val="tx1"/>
-                </a:solidFill>
-              </a:rPr>
-              <a:t>se resuelven los paréntesis, luego los corchetes, después las llaves, para entonces efectuar las multiplicaciones y divisiones, y finalmente las adiciones y sustracciones</a:t>
+              <a:t>primero se resuelven los paréntesis, luego los corchetes, después las llaves, para entonces efectuar las multiplicaciones y divisiones, y finalmente las adiciones y sustracciones</a:t>
             </a:r>
             <a:r>
               <a:rPr lang="es-CO" sz="1050" dirty="0" smtClean="0">
@@ -6329,17 +6940,19 @@
       <p:cxnSp>
         <p:nvCxnSpPr>
           <p:cNvPr id="175" name="Conector angular 174"/>
-          <p:cNvCxnSpPr/>
+          <p:cNvCxnSpPr>
+            <a:stCxn id="176" idx="2"/>
+          </p:cNvCxnSpPr>
           <p:nvPr/>
         </p:nvCxnSpPr>
         <p:spPr>
-          <a:xfrm rot="16200000" flipH="1">
-            <a:off x="3511792" y="3821346"/>
-            <a:ext cx="244354" cy="44706"/>
+          <a:xfrm rot="5400000">
+            <a:off x="3561271" y="3835017"/>
+            <a:ext cx="225910" cy="35808"/>
           </a:xfrm>
           <a:prstGeom prst="bentConnector3">
             <a:avLst>
-              <a:gd name="adj1" fmla="val -267"/>
+              <a:gd name="adj1" fmla="val 1934"/>
             </a:avLst>
           </a:prstGeom>
           <a:ln>
@@ -6631,17 +7244,19 @@
       <p:cxnSp>
         <p:nvCxnSpPr>
           <p:cNvPr id="199" name="Conector angular 198"/>
-          <p:cNvCxnSpPr/>
+          <p:cNvCxnSpPr>
+            <a:stCxn id="193" idx="2"/>
+          </p:cNvCxnSpPr>
           <p:nvPr/>
         </p:nvCxnSpPr>
         <p:spPr>
           <a:xfrm rot="16200000" flipH="1">
-            <a:off x="5006862" y="2534769"/>
-            <a:ext cx="452192" cy="164096"/>
+            <a:off x="5089011" y="2616917"/>
+            <a:ext cx="423103" cy="28887"/>
           </a:xfrm>
           <a:prstGeom prst="bentConnector3">
             <a:avLst>
-              <a:gd name="adj1" fmla="val -8536"/>
+              <a:gd name="adj1" fmla="val 473"/>
             </a:avLst>
           </a:prstGeom>
           <a:ln>
@@ -6711,15 +7326,7 @@
                   <a:schemeClr val="tx1"/>
                 </a:solidFill>
               </a:rPr>
-              <a:t>propiedades </a:t>
-            </a:r>
-            <a:r>
-              <a:rPr lang="es-ES" sz="800" dirty="0" smtClean="0">
-                <a:solidFill>
-                  <a:schemeClr val="tx1"/>
-                </a:solidFill>
-              </a:rPr>
-              <a:t>como</a:t>
+              <a:t>propiedades como</a:t>
             </a:r>
           </a:p>
           <a:p>
@@ -7765,7 +8372,7 @@
 <file path=ppt/theme/theme1.xml><?xml version="1.0" encoding="utf-8"?>
 <a:theme xmlns:a="http://schemas.openxmlformats.org/drawingml/2006/main" name="Tema de Office">
   <a:themeElements>
-    <a:clrScheme name="Tema de Office">
+    <a:clrScheme name="Office">
       <a:dk1>
         <a:sysClr val="windowText" lastClr="000000"/>
       </a:dk1>
@@ -7803,7 +8410,7 @@
         <a:srgbClr val="954F72"/>
       </a:folHlink>
     </a:clrScheme>
-    <a:fontScheme name="Tema de Office">
+    <a:fontScheme name="Office">
       <a:majorFont>
         <a:latin typeface="Calibri Light" panose="020F0302020204030204"/>
         <a:ea typeface=""/>
@@ -7875,7 +8482,529 @@
         <a:font script="Geor" typeface="Sylfaen"/>
       </a:minorFont>
     </a:fontScheme>
-    <a:fmtScheme name="Tema de Office">
+    <a:fmtScheme name="Office">
+      <a:fillStyleLst>
+        <a:solidFill>
+          <a:schemeClr val="phClr"/>
+        </a:solidFill>
+        <a:gradFill rotWithShape="1">
+          <a:gsLst>
+            <a:gs pos="0">
+              <a:schemeClr val="phClr">
+                <a:lumMod val="110000"/>
+                <a:satMod val="105000"/>
+                <a:tint val="67000"/>
+              </a:schemeClr>
+            </a:gs>
+            <a:gs pos="50000">
+              <a:schemeClr val="phClr">
+                <a:lumMod val="105000"/>
+                <a:satMod val="103000"/>
+                <a:tint val="73000"/>
+              </a:schemeClr>
+            </a:gs>
+            <a:gs pos="100000">
+              <a:schemeClr val="phClr">
+                <a:lumMod val="105000"/>
+                <a:satMod val="109000"/>
+                <a:tint val="81000"/>
+              </a:schemeClr>
+            </a:gs>
+          </a:gsLst>
+          <a:lin ang="5400000" scaled="0"/>
+        </a:gradFill>
+        <a:gradFill rotWithShape="1">
+          <a:gsLst>
+            <a:gs pos="0">
+              <a:schemeClr val="phClr">
+                <a:satMod val="103000"/>
+                <a:lumMod val="102000"/>
+                <a:tint val="94000"/>
+              </a:schemeClr>
+            </a:gs>
+            <a:gs pos="50000">
+              <a:schemeClr val="phClr">
+                <a:satMod val="110000"/>
+                <a:lumMod val="100000"/>
+                <a:shade val="100000"/>
+              </a:schemeClr>
+            </a:gs>
+            <a:gs pos="100000">
+              <a:schemeClr val="phClr">
+                <a:lumMod val="99000"/>
+                <a:satMod val="120000"/>
+                <a:shade val="78000"/>
+              </a:schemeClr>
+            </a:gs>
+          </a:gsLst>
+          <a:lin ang="5400000" scaled="0"/>
+        </a:gradFill>
+      </a:fillStyleLst>
+      <a:lnStyleLst>
+        <a:ln w="6350" cap="flat" cmpd="sng" algn="ctr">
+          <a:solidFill>
+            <a:schemeClr val="phClr"/>
+          </a:solidFill>
+          <a:prstDash val="solid"/>
+          <a:miter lim="800000"/>
+        </a:ln>
+        <a:ln w="12700" cap="flat" cmpd="sng" algn="ctr">
+          <a:solidFill>
+            <a:schemeClr val="phClr"/>
+          </a:solidFill>
+          <a:prstDash val="solid"/>
+          <a:miter lim="800000"/>
+        </a:ln>
+        <a:ln w="19050" cap="flat" cmpd="sng" algn="ctr">
+          <a:solidFill>
+            <a:schemeClr val="phClr"/>
+          </a:solidFill>
+          <a:prstDash val="solid"/>
+          <a:miter lim="800000"/>
+        </a:ln>
+      </a:lnStyleLst>
+      <a:effectStyleLst>
+        <a:effectStyle>
+          <a:effectLst/>
+        </a:effectStyle>
+        <a:effectStyle>
+          <a:effectLst/>
+        </a:effectStyle>
+        <a:effectStyle>
+          <a:effectLst>
+            <a:outerShdw blurRad="57150" dist="19050" dir="5400000" algn="ctr" rotWithShape="0">
+              <a:srgbClr val="000000">
+                <a:alpha val="63000"/>
+              </a:srgbClr>
+            </a:outerShdw>
+          </a:effectLst>
+        </a:effectStyle>
+      </a:effectStyleLst>
+      <a:bgFillStyleLst>
+        <a:solidFill>
+          <a:schemeClr val="phClr"/>
+        </a:solidFill>
+        <a:solidFill>
+          <a:schemeClr val="phClr">
+            <a:tint val="95000"/>
+            <a:satMod val="170000"/>
+          </a:schemeClr>
+        </a:solidFill>
+        <a:gradFill rotWithShape="1">
+          <a:gsLst>
+            <a:gs pos="0">
+              <a:schemeClr val="phClr">
+                <a:tint val="93000"/>
+                <a:satMod val="150000"/>
+                <a:shade val="98000"/>
+                <a:lumMod val="102000"/>
+              </a:schemeClr>
+            </a:gs>
+            <a:gs pos="50000">
+              <a:schemeClr val="phClr">
+                <a:tint val="98000"/>
+                <a:satMod val="130000"/>
+                <a:shade val="90000"/>
+                <a:lumMod val="103000"/>
+              </a:schemeClr>
+            </a:gs>
+            <a:gs pos="100000">
+              <a:schemeClr val="phClr">
+                <a:shade val="63000"/>
+                <a:satMod val="120000"/>
+              </a:schemeClr>
+            </a:gs>
+          </a:gsLst>
+          <a:lin ang="5400000" scaled="0"/>
+        </a:gradFill>
+      </a:bgFillStyleLst>
+    </a:fmtScheme>
+  </a:themeElements>
+  <a:objectDefaults/>
+  <a:extraClrSchemeLst/>
+  <a:extLst>
+    <a:ext uri="{05A4C25C-085E-4340-85A3-A5531E510DB2}">
+      <thm15:themeFamily xmlns:thm15="http://schemas.microsoft.com/office/thememl/2012/main" name="Office Theme" id="{62F939B6-93AF-4DB8-9C6B-D6C7DFDC589F}" vid="{4A3C46E8-61CC-4603-A589-7422A47A8E4A}"/>
+    </a:ext>
+  </a:extLst>
+</a:theme>
+</file>
+
+<file path=ppt/theme/theme2.xml><?xml version="1.0" encoding="utf-8"?>
+<a:theme xmlns:a="http://schemas.openxmlformats.org/drawingml/2006/main" name="Tema de Office">
+  <a:themeElements>
+    <a:clrScheme name="Office">
+      <a:dk1>
+        <a:sysClr val="windowText" lastClr="000000"/>
+      </a:dk1>
+      <a:lt1>
+        <a:sysClr val="window" lastClr="FFFFFF"/>
+      </a:lt1>
+      <a:dk2>
+        <a:srgbClr val="44546A"/>
+      </a:dk2>
+      <a:lt2>
+        <a:srgbClr val="E7E6E6"/>
+      </a:lt2>
+      <a:accent1>
+        <a:srgbClr val="5B9BD5"/>
+      </a:accent1>
+      <a:accent2>
+        <a:srgbClr val="ED7D31"/>
+      </a:accent2>
+      <a:accent3>
+        <a:srgbClr val="A5A5A5"/>
+      </a:accent3>
+      <a:accent4>
+        <a:srgbClr val="FFC000"/>
+      </a:accent4>
+      <a:accent5>
+        <a:srgbClr val="4472C4"/>
+      </a:accent5>
+      <a:accent6>
+        <a:srgbClr val="70AD47"/>
+      </a:accent6>
+      <a:hlink>
+        <a:srgbClr val="0563C1"/>
+      </a:hlink>
+      <a:folHlink>
+        <a:srgbClr val="954F72"/>
+      </a:folHlink>
+    </a:clrScheme>
+    <a:fontScheme name="Office">
+      <a:majorFont>
+        <a:latin typeface="Calibri Light" panose="020F0302020204030204"/>
+        <a:ea typeface=""/>
+        <a:cs typeface=""/>
+        <a:font script="Jpan" typeface="ＭＳ Ｐゴシック"/>
+        <a:font script="Hang" typeface="맑은 고딕"/>
+        <a:font script="Hans" typeface="宋体"/>
+        <a:font script="Hant" typeface="新細明體"/>
+        <a:font script="Arab" typeface="Times New Roman"/>
+        <a:font script="Hebr" typeface="Times New Roman"/>
+        <a:font script="Thai" typeface="Angsana New"/>
+        <a:font script="Ethi" typeface="Nyala"/>
+        <a:font script="Beng" typeface="Vrinda"/>
+        <a:font script="Gujr" typeface="Shruti"/>
+        <a:font script="Khmr" typeface="MoolBoran"/>
+        <a:font script="Knda" typeface="Tunga"/>
+        <a:font script="Guru" typeface="Raavi"/>
+        <a:font script="Cans" typeface="Euphemia"/>
+        <a:font script="Cher" typeface="Plantagenet Cherokee"/>
+        <a:font script="Yiii" typeface="Microsoft Yi Baiti"/>
+        <a:font script="Tibt" typeface="Microsoft Himalaya"/>
+        <a:font script="Thaa" typeface="MV Boli"/>
+        <a:font script="Deva" typeface="Mangal"/>
+        <a:font script="Telu" typeface="Gautami"/>
+        <a:font script="Taml" typeface="Latha"/>
+        <a:font script="Syrc" typeface="Estrangelo Edessa"/>
+        <a:font script="Orya" typeface="Kalinga"/>
+        <a:font script="Mlym" typeface="Kartika"/>
+        <a:font script="Laoo" typeface="DokChampa"/>
+        <a:font script="Sinh" typeface="Iskoola Pota"/>
+        <a:font script="Mong" typeface="Mongolian Baiti"/>
+        <a:font script="Viet" typeface="Times New Roman"/>
+        <a:font script="Uigh" typeface="Microsoft Uighur"/>
+        <a:font script="Geor" typeface="Sylfaen"/>
+      </a:majorFont>
+      <a:minorFont>
+        <a:latin typeface="Calibri" panose="020F0502020204030204"/>
+        <a:ea typeface=""/>
+        <a:cs typeface=""/>
+        <a:font script="Jpan" typeface="ＭＳ Ｐゴシック"/>
+        <a:font script="Hang" typeface="맑은 고딕"/>
+        <a:font script="Hans" typeface="宋体"/>
+        <a:font script="Hant" typeface="新細明體"/>
+        <a:font script="Arab" typeface="Arial"/>
+        <a:font script="Hebr" typeface="Arial"/>
+        <a:font script="Thai" typeface="Cordia New"/>
+        <a:font script="Ethi" typeface="Nyala"/>
+        <a:font script="Beng" typeface="Vrinda"/>
+        <a:font script="Gujr" typeface="Shruti"/>
+        <a:font script="Khmr" typeface="DaunPenh"/>
+        <a:font script="Knda" typeface="Tunga"/>
+        <a:font script="Guru" typeface="Raavi"/>
+        <a:font script="Cans" typeface="Euphemia"/>
+        <a:font script="Cher" typeface="Plantagenet Cherokee"/>
+        <a:font script="Yiii" typeface="Microsoft Yi Baiti"/>
+        <a:font script="Tibt" typeface="Microsoft Himalaya"/>
+        <a:font script="Thaa" typeface="MV Boli"/>
+        <a:font script="Deva" typeface="Mangal"/>
+        <a:font script="Telu" typeface="Gautami"/>
+        <a:font script="Taml" typeface="Latha"/>
+        <a:font script="Syrc" typeface="Estrangelo Edessa"/>
+        <a:font script="Orya" typeface="Kalinga"/>
+        <a:font script="Mlym" typeface="Kartika"/>
+        <a:font script="Laoo" typeface="DokChampa"/>
+        <a:font script="Sinh" typeface="Iskoola Pota"/>
+        <a:font script="Mong" typeface="Mongolian Baiti"/>
+        <a:font script="Viet" typeface="Arial"/>
+        <a:font script="Uigh" typeface="Microsoft Uighur"/>
+        <a:font script="Geor" typeface="Sylfaen"/>
+      </a:minorFont>
+    </a:fontScheme>
+    <a:fmtScheme name="Office">
+      <a:fillStyleLst>
+        <a:solidFill>
+          <a:schemeClr val="phClr"/>
+        </a:solidFill>
+        <a:gradFill rotWithShape="1">
+          <a:gsLst>
+            <a:gs pos="0">
+              <a:schemeClr val="phClr">
+                <a:lumMod val="110000"/>
+                <a:satMod val="105000"/>
+                <a:tint val="67000"/>
+              </a:schemeClr>
+            </a:gs>
+            <a:gs pos="50000">
+              <a:schemeClr val="phClr">
+                <a:lumMod val="105000"/>
+                <a:satMod val="103000"/>
+                <a:tint val="73000"/>
+              </a:schemeClr>
+            </a:gs>
+            <a:gs pos="100000">
+              <a:schemeClr val="phClr">
+                <a:lumMod val="105000"/>
+                <a:satMod val="109000"/>
+                <a:tint val="81000"/>
+              </a:schemeClr>
+            </a:gs>
+          </a:gsLst>
+          <a:lin ang="5400000" scaled="0"/>
+        </a:gradFill>
+        <a:gradFill rotWithShape="1">
+          <a:gsLst>
+            <a:gs pos="0">
+              <a:schemeClr val="phClr">
+                <a:satMod val="103000"/>
+                <a:lumMod val="102000"/>
+                <a:tint val="94000"/>
+              </a:schemeClr>
+            </a:gs>
+            <a:gs pos="50000">
+              <a:schemeClr val="phClr">
+                <a:satMod val="110000"/>
+                <a:lumMod val="100000"/>
+                <a:shade val="100000"/>
+              </a:schemeClr>
+            </a:gs>
+            <a:gs pos="100000">
+              <a:schemeClr val="phClr">
+                <a:lumMod val="99000"/>
+                <a:satMod val="120000"/>
+                <a:shade val="78000"/>
+              </a:schemeClr>
+            </a:gs>
+          </a:gsLst>
+          <a:lin ang="5400000" scaled="0"/>
+        </a:gradFill>
+      </a:fillStyleLst>
+      <a:lnStyleLst>
+        <a:ln w="6350" cap="flat" cmpd="sng" algn="ctr">
+          <a:solidFill>
+            <a:schemeClr val="phClr"/>
+          </a:solidFill>
+          <a:prstDash val="solid"/>
+          <a:miter lim="800000"/>
+        </a:ln>
+        <a:ln w="12700" cap="flat" cmpd="sng" algn="ctr">
+          <a:solidFill>
+            <a:schemeClr val="phClr"/>
+          </a:solidFill>
+          <a:prstDash val="solid"/>
+          <a:miter lim="800000"/>
+        </a:ln>
+        <a:ln w="19050" cap="flat" cmpd="sng" algn="ctr">
+          <a:solidFill>
+            <a:schemeClr val="phClr"/>
+          </a:solidFill>
+          <a:prstDash val="solid"/>
+          <a:miter lim="800000"/>
+        </a:ln>
+      </a:lnStyleLst>
+      <a:effectStyleLst>
+        <a:effectStyle>
+          <a:effectLst/>
+        </a:effectStyle>
+        <a:effectStyle>
+          <a:effectLst/>
+        </a:effectStyle>
+        <a:effectStyle>
+          <a:effectLst>
+            <a:outerShdw blurRad="57150" dist="19050" dir="5400000" algn="ctr" rotWithShape="0">
+              <a:srgbClr val="000000">
+                <a:alpha val="63000"/>
+              </a:srgbClr>
+            </a:outerShdw>
+          </a:effectLst>
+        </a:effectStyle>
+      </a:effectStyleLst>
+      <a:bgFillStyleLst>
+        <a:solidFill>
+          <a:schemeClr val="phClr"/>
+        </a:solidFill>
+        <a:solidFill>
+          <a:schemeClr val="phClr">
+            <a:tint val="95000"/>
+            <a:satMod val="170000"/>
+          </a:schemeClr>
+        </a:solidFill>
+        <a:gradFill rotWithShape="1">
+          <a:gsLst>
+            <a:gs pos="0">
+              <a:schemeClr val="phClr">
+                <a:tint val="93000"/>
+                <a:satMod val="150000"/>
+                <a:shade val="98000"/>
+                <a:lumMod val="102000"/>
+              </a:schemeClr>
+            </a:gs>
+            <a:gs pos="50000">
+              <a:schemeClr val="phClr">
+                <a:tint val="98000"/>
+                <a:satMod val="130000"/>
+                <a:shade val="90000"/>
+                <a:lumMod val="103000"/>
+              </a:schemeClr>
+            </a:gs>
+            <a:gs pos="100000">
+              <a:schemeClr val="phClr">
+                <a:shade val="63000"/>
+                <a:satMod val="120000"/>
+              </a:schemeClr>
+            </a:gs>
+          </a:gsLst>
+          <a:lin ang="5400000" scaled="0"/>
+        </a:gradFill>
+      </a:bgFillStyleLst>
+    </a:fmtScheme>
+  </a:themeElements>
+  <a:objectDefaults/>
+  <a:extraClrSchemeLst/>
+  <a:extLst>
+    <a:ext uri="{05A4C25C-085E-4340-85A3-A5531E510DB2}">
+      <thm15:themeFamily xmlns:thm15="http://schemas.microsoft.com/office/thememl/2012/main" name="Office Theme" id="{62F939B6-93AF-4DB8-9C6B-D6C7DFDC589F}" vid="{4A3C46E8-61CC-4603-A589-7422A47A8E4A}"/>
+    </a:ext>
+  </a:extLst>
+</a:theme>
+</file>
+
+<file path=ppt/theme/theme3.xml><?xml version="1.0" encoding="utf-8"?>
+<a:theme xmlns:a="http://schemas.openxmlformats.org/drawingml/2006/main" name="Tema de Office">
+  <a:themeElements>
+    <a:clrScheme name="Office">
+      <a:dk1>
+        <a:sysClr val="windowText" lastClr="000000"/>
+      </a:dk1>
+      <a:lt1>
+        <a:sysClr val="window" lastClr="FFFFFF"/>
+      </a:lt1>
+      <a:dk2>
+        <a:srgbClr val="44546A"/>
+      </a:dk2>
+      <a:lt2>
+        <a:srgbClr val="E7E6E6"/>
+      </a:lt2>
+      <a:accent1>
+        <a:srgbClr val="5B9BD5"/>
+      </a:accent1>
+      <a:accent2>
+        <a:srgbClr val="ED7D31"/>
+      </a:accent2>
+      <a:accent3>
+        <a:srgbClr val="A5A5A5"/>
+      </a:accent3>
+      <a:accent4>
+        <a:srgbClr val="FFC000"/>
+      </a:accent4>
+      <a:accent5>
+        <a:srgbClr val="4472C4"/>
+      </a:accent5>
+      <a:accent6>
+        <a:srgbClr val="70AD47"/>
+      </a:accent6>
+      <a:hlink>
+        <a:srgbClr val="0563C1"/>
+      </a:hlink>
+      <a:folHlink>
+        <a:srgbClr val="954F72"/>
+      </a:folHlink>
+    </a:clrScheme>
+    <a:fontScheme name="Office">
+      <a:majorFont>
+        <a:latin typeface="Calibri Light" panose="020F0302020204030204"/>
+        <a:ea typeface=""/>
+        <a:cs typeface=""/>
+        <a:font script="Jpan" typeface="ＭＳ Ｐゴシック"/>
+        <a:font script="Hang" typeface="맑은 고딕"/>
+        <a:font script="Hans" typeface="宋体"/>
+        <a:font script="Hant" typeface="新細明體"/>
+        <a:font script="Arab" typeface="Times New Roman"/>
+        <a:font script="Hebr" typeface="Times New Roman"/>
+        <a:font script="Thai" typeface="Angsana New"/>
+        <a:font script="Ethi" typeface="Nyala"/>
+        <a:font script="Beng" typeface="Vrinda"/>
+        <a:font script="Gujr" typeface="Shruti"/>
+        <a:font script="Khmr" typeface="MoolBoran"/>
+        <a:font script="Knda" typeface="Tunga"/>
+        <a:font script="Guru" typeface="Raavi"/>
+        <a:font script="Cans" typeface="Euphemia"/>
+        <a:font script="Cher" typeface="Plantagenet Cherokee"/>
+        <a:font script="Yiii" typeface="Microsoft Yi Baiti"/>
+        <a:font script="Tibt" typeface="Microsoft Himalaya"/>
+        <a:font script="Thaa" typeface="MV Boli"/>
+        <a:font script="Deva" typeface="Mangal"/>
+        <a:font script="Telu" typeface="Gautami"/>
+        <a:font script="Taml" typeface="Latha"/>
+        <a:font script="Syrc" typeface="Estrangelo Edessa"/>
+        <a:font script="Orya" typeface="Kalinga"/>
+        <a:font script="Mlym" typeface="Kartika"/>
+        <a:font script="Laoo" typeface="DokChampa"/>
+        <a:font script="Sinh" typeface="Iskoola Pota"/>
+        <a:font script="Mong" typeface="Mongolian Baiti"/>
+        <a:font script="Viet" typeface="Times New Roman"/>
+        <a:font script="Uigh" typeface="Microsoft Uighur"/>
+        <a:font script="Geor" typeface="Sylfaen"/>
+      </a:majorFont>
+      <a:minorFont>
+        <a:latin typeface="Calibri" panose="020F0502020204030204"/>
+        <a:ea typeface=""/>
+        <a:cs typeface=""/>
+        <a:font script="Jpan" typeface="ＭＳ Ｐゴシック"/>
+        <a:font script="Hang" typeface="맑은 고딕"/>
+        <a:font script="Hans" typeface="宋体"/>
+        <a:font script="Hant" typeface="新細明體"/>
+        <a:font script="Arab" typeface="Arial"/>
+        <a:font script="Hebr" typeface="Arial"/>
+        <a:font script="Thai" typeface="Cordia New"/>
+        <a:font script="Ethi" typeface="Nyala"/>
+        <a:font script="Beng" typeface="Vrinda"/>
+        <a:font script="Gujr" typeface="Shruti"/>
+        <a:font script="Khmr" typeface="DaunPenh"/>
+        <a:font script="Knda" typeface="Tunga"/>
+        <a:font script="Guru" typeface="Raavi"/>
+        <a:font script="Cans" typeface="Euphemia"/>
+        <a:font script="Cher" typeface="Plantagenet Cherokee"/>
+        <a:font script="Yiii" typeface="Microsoft Yi Baiti"/>
+        <a:font script="Tibt" typeface="Microsoft Himalaya"/>
+        <a:font script="Thaa" typeface="MV Boli"/>
+        <a:font script="Deva" typeface="Mangal"/>
+        <a:font script="Telu" typeface="Gautami"/>
+        <a:font script="Taml" typeface="Latha"/>
+        <a:font script="Syrc" typeface="Estrangelo Edessa"/>
+        <a:font script="Orya" typeface="Kalinga"/>
+        <a:font script="Mlym" typeface="Kartika"/>
+        <a:font script="Laoo" typeface="DokChampa"/>
+        <a:font script="Sinh" typeface="Iskoola Pota"/>
+        <a:font script="Mong" typeface="Mongolian Baiti"/>
+        <a:font script="Viet" typeface="Arial"/>
+        <a:font script="Uigh" typeface="Microsoft Uighur"/>
+        <a:font script="Geor" typeface="Sylfaen"/>
+      </a:minorFont>
+    </a:fontScheme>
+    <a:fmtScheme name="Office">
       <a:fillStyleLst>
         <a:solidFill>
           <a:schemeClr val="phClr"/>
